--- a/obras/static/ppt/PRINCIPAL_BALANCE_GENERAL_APF.pptx
+++ b/obras/static/ppt/PRINCIPAL_BALANCE_GENERAL_APF.pptx
@@ -112,6 +112,36 @@
       </a:defRPr>
     </a:lvl9pPr>
   </p:defaultTextStyle>
+  <p:extLst>
+    <p:ext uri="{EFAFB233-063F-42B5-8137-9DF3F51BA10A}">
+      <p15:sldGuideLst xmlns:p15="http://schemas.microsoft.com/office/powerpoint/2012/main">
+        <p15:guide id="1" orient="horz" pos="2160">
+          <p15:clr>
+            <a:srgbClr val="A4A3A4"/>
+          </p15:clr>
+        </p15:guide>
+        <p15:guide id="2" pos="2880">
+          <p15:clr>
+            <a:srgbClr val="A4A3A4"/>
+          </p15:clr>
+        </p15:guide>
+      </p15:sldGuideLst>
+    </p:ext>
+    <p:ext uri="{2D200454-40CA-4A62-9FC3-DE9A4176ACB9}">
+      <p15:notesGuideLst xmlns:p15="http://schemas.microsoft.com/office/powerpoint/2012/main">
+        <p15:guide id="1" orient="horz" pos="2928">
+          <p15:clr>
+            <a:srgbClr val="A4A3A4"/>
+          </p15:clr>
+        </p15:guide>
+        <p15:guide id="2" pos="2208">
+          <p15:clr>
+            <a:srgbClr val="A4A3A4"/>
+          </p15:clr>
+        </p15:guide>
+      </p15:notesGuideLst>
+    </p:ext>
+  </p:extLst>
 </p:presentation>
 </file>
 
@@ -197,7 +227,7 @@
           <a:p>
             <a:fld id="{D91412EE-E23B-4E74-9CBF-E5AF10137E0E}" type="datetimeFigureOut">
               <a:rPr lang="es-MX" smtClean="0"/>
-              <a:t>10/11/2014</a:t>
+              <a:t>18/08/2015</a:t>
             </a:fld>
             <a:endParaRPr lang="es-MX"/>
           </a:p>
@@ -362,7 +392,7 @@
           <a:p>
             <a:fld id="{56612B8C-D436-442C-AF8F-F0830C8620CD}" type="datetimeFigureOut">
               <a:rPr lang="es-MX" smtClean="0"/>
-              <a:t>10/11/2014</a:t>
+              <a:t>18/08/2015</a:t>
             </a:fld>
             <a:endParaRPr lang="es-MX"/>
           </a:p>
@@ -1072,7 +1102,7 @@
           <a:p>
             <a:fld id="{46C625CF-D8F4-6941-B2C3-3F15474FDD83}" type="datetimeFigureOut">
               <a:rPr lang="es-ES" smtClean="0"/>
-              <a:t>10/11/2014</a:t>
+              <a:t>18/08/2015</a:t>
             </a:fld>
             <a:endParaRPr lang="es-ES"/>
           </a:p>
@@ -1242,7 +1272,7 @@
           <a:p>
             <a:fld id="{46C625CF-D8F4-6941-B2C3-3F15474FDD83}" type="datetimeFigureOut">
               <a:rPr lang="es-ES" smtClean="0"/>
-              <a:t>10/11/2014</a:t>
+              <a:t>18/08/2015</a:t>
             </a:fld>
             <a:endParaRPr lang="es-ES"/>
           </a:p>
@@ -1422,7 +1452,7 @@
           <a:p>
             <a:fld id="{46C625CF-D8F4-6941-B2C3-3F15474FDD83}" type="datetimeFigureOut">
               <a:rPr lang="es-ES" smtClean="0"/>
-              <a:t>10/11/2014</a:t>
+              <a:t>18/08/2015</a:t>
             </a:fld>
             <a:endParaRPr lang="es-ES"/>
           </a:p>
@@ -1592,7 +1622,7 @@
           <a:p>
             <a:fld id="{46C625CF-D8F4-6941-B2C3-3F15474FDD83}" type="datetimeFigureOut">
               <a:rPr lang="es-ES" smtClean="0"/>
-              <a:t>10/11/2014</a:t>
+              <a:t>18/08/2015</a:t>
             </a:fld>
             <a:endParaRPr lang="es-ES"/>
           </a:p>
@@ -1838,7 +1868,7 @@
           <a:p>
             <a:fld id="{46C625CF-D8F4-6941-B2C3-3F15474FDD83}" type="datetimeFigureOut">
               <a:rPr lang="es-ES" smtClean="0"/>
-              <a:t>10/11/2014</a:t>
+              <a:t>18/08/2015</a:t>
             </a:fld>
             <a:endParaRPr lang="es-ES"/>
           </a:p>
@@ -2126,7 +2156,7 @@
           <a:p>
             <a:fld id="{46C625CF-D8F4-6941-B2C3-3F15474FDD83}" type="datetimeFigureOut">
               <a:rPr lang="es-ES" smtClean="0"/>
-              <a:t>10/11/2014</a:t>
+              <a:t>18/08/2015</a:t>
             </a:fld>
             <a:endParaRPr lang="es-ES"/>
           </a:p>
@@ -2548,7 +2578,7 @@
           <a:p>
             <a:fld id="{46C625CF-D8F4-6941-B2C3-3F15474FDD83}" type="datetimeFigureOut">
               <a:rPr lang="es-ES" smtClean="0"/>
-              <a:t>10/11/2014</a:t>
+              <a:t>18/08/2015</a:t>
             </a:fld>
             <a:endParaRPr lang="es-ES"/>
           </a:p>
@@ -2666,7 +2696,7 @@
           <a:p>
             <a:fld id="{46C625CF-D8F4-6941-B2C3-3F15474FDD83}" type="datetimeFigureOut">
               <a:rPr lang="es-ES" smtClean="0"/>
-              <a:t>10/11/2014</a:t>
+              <a:t>18/08/2015</a:t>
             </a:fld>
             <a:endParaRPr lang="es-ES"/>
           </a:p>
@@ -2761,7 +2791,7 @@
           <a:p>
             <a:fld id="{46C625CF-D8F4-6941-B2C3-3F15474FDD83}" type="datetimeFigureOut">
               <a:rPr lang="es-ES" smtClean="0"/>
-              <a:t>10/11/2014</a:t>
+              <a:t>18/08/2015</a:t>
             </a:fld>
             <a:endParaRPr lang="es-ES"/>
           </a:p>
@@ -3045,7 +3075,7 @@
           <a:p>
             <a:fld id="{46C625CF-D8F4-6941-B2C3-3F15474FDD83}" type="datetimeFigureOut">
               <a:rPr lang="es-ES" smtClean="0"/>
-              <a:t>10/11/2014</a:t>
+              <a:t>18/08/2015</a:t>
             </a:fld>
             <a:endParaRPr lang="es-ES"/>
           </a:p>
@@ -3298,7 +3328,7 @@
           <a:p>
             <a:fld id="{46C625CF-D8F4-6941-B2C3-3F15474FDD83}" type="datetimeFigureOut">
               <a:rPr lang="es-ES" smtClean="0"/>
-              <a:t>10/11/2014</a:t>
+              <a:t>18/08/2015</a:t>
             </a:fld>
             <a:endParaRPr lang="es-ES"/>
           </a:p>
@@ -3517,7 +3547,7 @@
           <a:p>
             <a:fld id="{46C625CF-D8F4-6941-B2C3-3F15474FDD83}" type="datetimeFigureOut">
               <a:rPr lang="es-ES" smtClean="0"/>
-              <a:t>10/11/2014</a:t>
+              <a:t>18/08/2015</a:t>
             </a:fld>
             <a:endParaRPr lang="es-ES"/>
           </a:p>
@@ -4613,24 +4643,6 @@
               </a:rPr>
               <a:t>oncluidas, en proceso y proyectadas </a:t>
             </a:r>
-            <a:br>
-              <a:rPr lang="es-MX" sz="1400" dirty="0" smtClean="0">
-                <a:latin typeface="Arial Narrow" panose="020B0606020202030204" pitchFamily="34" charset="0"/>
-                <a:ea typeface="Calibri"/>
-                <a:cs typeface="Times New Roman"/>
-              </a:rPr>
-            </a:br>
-            <a:r>
-              <a:rPr lang="es-MX" sz="1200" dirty="0" smtClean="0">
-                <a:solidFill>
-                  <a:srgbClr val="FF0000"/>
-                </a:solidFill>
-                <a:latin typeface="Arial Narrow" panose="020B0606020202030204" pitchFamily="34" charset="0"/>
-                <a:ea typeface="Calibri"/>
-                <a:cs typeface="Times New Roman"/>
-              </a:rPr>
-              <a:t>reportadas por las Dependencias y Entidades de la Administración Pública Federal</a:t>
-            </a:r>
             <a:endParaRPr lang="es-MX" sz="1200" dirty="0">
               <a:solidFill>
                 <a:srgbClr val="FF0000"/>
@@ -4651,14 +4663,14 @@
           <p:nvPr>
             <p:extLst>
               <p:ext uri="{D42A27DB-BD31-4B8C-83A1-F6EECF244321}">
-                <p14:modId xmlns:p14="http://schemas.microsoft.com/office/powerpoint/2010/main" val="336801922"/>
+                <p14:modId xmlns:p14="http://schemas.microsoft.com/office/powerpoint/2010/main" val="3609789018"/>
               </p:ext>
             </p:extLst>
           </p:nvPr>
         </p:nvGraphicFramePr>
         <p:xfrm>
           <a:off x="1485014" y="2336224"/>
-          <a:ext cx="6096000" cy="2499463"/>
+          <a:ext cx="6096000" cy="2110749"/>
         </p:xfrm>
         <a:graphic>
           <a:graphicData uri="http://schemas.openxmlformats.org/drawingml/2006/table">
@@ -4874,7 +4886,7 @@
                     <a:lstStyle/>
                     <a:p>
                       <a:r>
-                        <a:rPr lang="es-MX" sz="1400" dirty="0" smtClean="0">
+                        <a:rPr lang="es-MX" sz="1400" b="1" dirty="0" smtClean="0">
                           <a:solidFill>
                             <a:schemeClr val="tx1">
                               <a:lumMod val="65000"/>
@@ -4885,30 +4897,15 @@
                         </a:rPr>
                         <a:t>Concluidas</a:t>
                       </a:r>
-                      <a:r>
-                        <a:rPr lang="es-MX" sz="1400" baseline="0" dirty="0" smtClean="0">
-                          <a:solidFill>
-                            <a:schemeClr val="tx1">
-                              <a:lumMod val="65000"/>
-                              <a:lumOff val="35000"/>
-                            </a:schemeClr>
-                          </a:solidFill>
-                          <a:latin typeface="Arial Narrow" panose="020B0606020202030204" pitchFamily="34" charset="0"/>
-                        </a:rPr>
-                        <a:t> </a:t>
-                      </a:r>
-                      <a:r>
-                        <a:rPr lang="es-MX" sz="1400" b="1" baseline="0" dirty="0" smtClean="0">
-                          <a:solidFill>
-                            <a:schemeClr val="tx1">
-                              <a:lumMod val="65000"/>
-                              <a:lumOff val="35000"/>
-                            </a:schemeClr>
-                          </a:solidFill>
-                          <a:latin typeface="Arial Narrow" panose="020B0606020202030204" pitchFamily="34" charset="0"/>
-                        </a:rPr>
-                        <a:t>2013</a:t>
-                      </a:r>
+                      <a:endParaRPr lang="es-MX" sz="1400" b="1" baseline="0" dirty="0" smtClean="0">
+                        <a:solidFill>
+                          <a:schemeClr val="tx1">
+                            <a:lumMod val="65000"/>
+                            <a:lumOff val="35000"/>
+                          </a:schemeClr>
+                        </a:solidFill>
+                        <a:latin typeface="Arial Narrow" panose="020B0606020202030204" pitchFamily="34" charset="0"/>
+                      </a:endParaRPr>
                     </a:p>
                   </a:txBody>
                   <a:tcPr anchor="ctr">
@@ -5108,14 +5105,14 @@
                   </a:tcPr>
                 </a:tc>
               </a:tr>
-              <a:tr h="388714">
+              <a:tr h="465977">
                 <a:tc>
                   <a:txBody>
                     <a:bodyPr/>
                     <a:lstStyle/>
                     <a:p>
                       <a:r>
-                        <a:rPr lang="es-MX" sz="1400" dirty="0" smtClean="0">
+                        <a:rPr lang="es-MX" sz="1400" b="1" dirty="0" smtClean="0">
                           <a:solidFill>
                             <a:schemeClr val="tx1">
                               <a:lumMod val="65000"/>
@@ -5124,19 +5121,7 @@
                           </a:solidFill>
                           <a:latin typeface="Arial Narrow" panose="020B0606020202030204" pitchFamily="34" charset="0"/>
                         </a:rPr>
-                        <a:t>Concluidas</a:t>
-                      </a:r>
-                      <a:r>
-                        <a:rPr lang="es-MX" sz="1400" baseline="0" dirty="0" smtClean="0">
-                          <a:solidFill>
-                            <a:schemeClr val="tx1">
-                              <a:lumMod val="65000"/>
-                              <a:lumOff val="35000"/>
-                            </a:schemeClr>
-                          </a:solidFill>
-                          <a:latin typeface="Arial Narrow" panose="020B0606020202030204" pitchFamily="34" charset="0"/>
-                        </a:rPr>
-                        <a:t> </a:t>
+                        <a:t>En</a:t>
                       </a:r>
                       <a:r>
                         <a:rPr lang="es-MX" sz="1400" b="1" baseline="0" dirty="0" smtClean="0">
@@ -5148,8 +5133,17 @@
                           </a:solidFill>
                           <a:latin typeface="Arial Narrow" panose="020B0606020202030204" pitchFamily="34" charset="0"/>
                         </a:rPr>
-                        <a:t>2014</a:t>
+                        <a:t> Proceso</a:t>
                       </a:r>
+                      <a:endParaRPr lang="es-MX" sz="1400" b="1" dirty="0">
+                        <a:solidFill>
+                          <a:schemeClr val="tx1">
+                            <a:lumMod val="65000"/>
+                            <a:lumOff val="35000"/>
+                          </a:schemeClr>
+                        </a:solidFill>
+                        <a:latin typeface="Arial Narrow" panose="020B0606020202030204" pitchFamily="34" charset="0"/>
+                      </a:endParaRPr>
                     </a:p>
                   </a:txBody>
                   <a:tcPr anchor="ctr">
@@ -5357,252 +5351,6 @@
                   </a:tcPr>
                 </a:tc>
               </a:tr>
-              <a:tr h="465977">
-                <a:tc>
-                  <a:txBody>
-                    <a:bodyPr/>
-                    <a:lstStyle/>
-                    <a:p>
-                      <a:r>
-                        <a:rPr lang="es-MX" sz="1400" b="0" dirty="0" smtClean="0">
-                          <a:solidFill>
-                            <a:schemeClr val="tx1">
-                              <a:lumMod val="65000"/>
-                              <a:lumOff val="35000"/>
-                            </a:schemeClr>
-                          </a:solidFill>
-                          <a:latin typeface="Arial Narrow" panose="020B0606020202030204" pitchFamily="34" charset="0"/>
-                        </a:rPr>
-                        <a:t>En</a:t>
-                      </a:r>
-                      <a:r>
-                        <a:rPr lang="es-MX" sz="1400" b="0" baseline="0" dirty="0" smtClean="0">
-                          <a:solidFill>
-                            <a:schemeClr val="tx1">
-                              <a:lumMod val="65000"/>
-                              <a:lumOff val="35000"/>
-                            </a:schemeClr>
-                          </a:solidFill>
-                          <a:latin typeface="Arial Narrow" panose="020B0606020202030204" pitchFamily="34" charset="0"/>
-                        </a:rPr>
-                        <a:t> Proceso</a:t>
-                      </a:r>
-                      <a:endParaRPr lang="es-MX" sz="1400" b="0" dirty="0">
-                        <a:solidFill>
-                          <a:schemeClr val="tx1">
-                            <a:lumMod val="65000"/>
-                            <a:lumOff val="35000"/>
-                          </a:schemeClr>
-                        </a:solidFill>
-                        <a:latin typeface="Arial Narrow" panose="020B0606020202030204" pitchFamily="34" charset="0"/>
-                      </a:endParaRPr>
-                    </a:p>
-                  </a:txBody>
-                  <a:tcPr anchor="ctr">
-                    <a:lnL>
-                      <a:noFill/>
-                    </a:lnL>
-                    <a:lnR w="38100" cap="flat" cmpd="sng" algn="ctr">
-                      <a:solidFill>
-                        <a:schemeClr val="bg1"/>
-                      </a:solidFill>
-                      <a:prstDash val="solid"/>
-                      <a:round/>
-                      <a:headEnd type="none" w="med" len="med"/>
-                      <a:tailEnd type="none" w="med" len="med"/>
-                    </a:lnR>
-                    <a:lnT w="6350" cap="flat" cmpd="sng" algn="ctr">
-                      <a:solidFill>
-                        <a:schemeClr val="bg1">
-                          <a:lumMod val="75000"/>
-                        </a:schemeClr>
-                      </a:solidFill>
-                      <a:prstDash val="solid"/>
-                      <a:round/>
-                      <a:headEnd type="none" w="med" len="med"/>
-                      <a:tailEnd type="none" w="med" len="med"/>
-                    </a:lnT>
-                    <a:lnB w="6350" cap="flat" cmpd="sng" algn="ctr">
-                      <a:solidFill>
-                        <a:schemeClr val="bg1">
-                          <a:lumMod val="75000"/>
-                        </a:schemeClr>
-                      </a:solidFill>
-                      <a:prstDash val="solid"/>
-                      <a:round/>
-                      <a:headEnd type="none" w="med" len="med"/>
-                      <a:tailEnd type="none" w="med" len="med"/>
-                    </a:lnB>
-                    <a:lnTlToBr w="12700" cmpd="sng">
-                      <a:noFill/>
-                      <a:prstDash val="solid"/>
-                    </a:lnTlToBr>
-                    <a:lnBlToTr w="12700" cmpd="sng">
-                      <a:noFill/>
-                      <a:prstDash val="solid"/>
-                    </a:lnBlToTr>
-                    <a:noFill/>
-                  </a:tcPr>
-                </a:tc>
-                <a:tc>
-                  <a:txBody>
-                    <a:bodyPr/>
-                    <a:lstStyle/>
-                    <a:p>
-                      <a:pPr algn="ctr"/>
-                      <a:endParaRPr lang="es-MX" sz="1400" dirty="0">
-                        <a:solidFill>
-                          <a:schemeClr val="tx1">
-                            <a:lumMod val="65000"/>
-                            <a:lumOff val="35000"/>
-                          </a:schemeClr>
-                        </a:solidFill>
-                        <a:latin typeface="Arial Narrow" panose="020B0606020202030204" pitchFamily="34" charset="0"/>
-                      </a:endParaRPr>
-                    </a:p>
-                  </a:txBody>
-                  <a:tcPr anchor="ctr">
-                    <a:lnL w="38100" cap="flat" cmpd="sng" algn="ctr">
-                      <a:solidFill>
-                        <a:schemeClr val="bg1"/>
-                      </a:solidFill>
-                      <a:prstDash val="solid"/>
-                      <a:round/>
-                      <a:headEnd type="none" w="med" len="med"/>
-                      <a:tailEnd type="none" w="med" len="med"/>
-                    </a:lnL>
-                    <a:lnR w="38100" cap="flat" cmpd="sng" algn="ctr">
-                      <a:solidFill>
-                        <a:schemeClr val="bg1"/>
-                      </a:solidFill>
-                      <a:prstDash val="solid"/>
-                      <a:round/>
-                      <a:headEnd type="none" w="med" len="med"/>
-                      <a:tailEnd type="none" w="med" len="med"/>
-                    </a:lnR>
-                    <a:lnT w="6350" cap="flat" cmpd="sng" algn="ctr">
-                      <a:solidFill>
-                        <a:schemeClr val="bg1">
-                          <a:lumMod val="75000"/>
-                        </a:schemeClr>
-                      </a:solidFill>
-                      <a:prstDash val="solid"/>
-                      <a:round/>
-                      <a:headEnd type="none" w="med" len="med"/>
-                      <a:tailEnd type="none" w="med" len="med"/>
-                    </a:lnT>
-                    <a:lnB w="6350" cap="flat" cmpd="sng" algn="ctr">
-                      <a:solidFill>
-                        <a:schemeClr val="bg1">
-                          <a:lumMod val="75000"/>
-                        </a:schemeClr>
-                      </a:solidFill>
-                      <a:prstDash val="solid"/>
-                      <a:round/>
-                      <a:headEnd type="none" w="med" len="med"/>
-                      <a:tailEnd type="none" w="med" len="med"/>
-                    </a:lnB>
-                    <a:lnTlToBr w="12700" cmpd="sng">
-                      <a:noFill/>
-                      <a:prstDash val="solid"/>
-                    </a:lnTlToBr>
-                    <a:lnBlToTr w="12700" cmpd="sng">
-                      <a:noFill/>
-                      <a:prstDash val="solid"/>
-                    </a:lnBlToTr>
-                    <a:solidFill>
-                      <a:schemeClr val="bg1">
-                        <a:lumMod val="95000"/>
-                      </a:schemeClr>
-                    </a:solidFill>
-                  </a:tcPr>
-                </a:tc>
-                <a:tc>
-                  <a:txBody>
-                    <a:bodyPr/>
-                    <a:lstStyle/>
-                    <a:p>
-                      <a:pPr marL="0" marR="0" indent="0" algn="ctr" defTabSz="457200" rtl="0" eaLnBrk="1" fontAlgn="auto" latinLnBrk="0" hangingPunct="1">
-                        <a:lnSpc>
-                          <a:spcPct val="100000"/>
-                        </a:lnSpc>
-                        <a:spcBef>
-                          <a:spcPts val="0"/>
-                        </a:spcBef>
-                        <a:spcAft>
-                          <a:spcPts val="0"/>
-                        </a:spcAft>
-                        <a:buClrTx/>
-                        <a:buSzTx/>
-                        <a:buFontTx/>
-                        <a:buNone/>
-                        <a:tabLst/>
-                        <a:defRPr/>
-                      </a:pPr>
-                      <a:endParaRPr lang="es-MX" sz="1400" kern="1200" dirty="0">
-                        <a:solidFill>
-                          <a:schemeClr val="tx1">
-                            <a:lumMod val="65000"/>
-                            <a:lumOff val="35000"/>
-                          </a:schemeClr>
-                        </a:solidFill>
-                        <a:latin typeface="Arial Narrow" panose="020B0606020202030204" pitchFamily="34" charset="0"/>
-                        <a:ea typeface="+mn-ea"/>
-                        <a:cs typeface="+mn-cs"/>
-                      </a:endParaRPr>
-                    </a:p>
-                  </a:txBody>
-                  <a:tcPr marL="9525" marR="9525" marT="9525" marB="0" anchor="ctr">
-                    <a:lnL w="38100" cap="flat" cmpd="sng" algn="ctr">
-                      <a:solidFill>
-                        <a:schemeClr val="bg1"/>
-                      </a:solidFill>
-                      <a:prstDash val="solid"/>
-                      <a:round/>
-                      <a:headEnd type="none" w="med" len="med"/>
-                      <a:tailEnd type="none" w="med" len="med"/>
-                    </a:lnL>
-                    <a:lnR w="6350" cap="flat" cmpd="sng" algn="ctr">
-                      <a:noFill/>
-                      <a:prstDash val="solid"/>
-                      <a:round/>
-                      <a:headEnd type="none" w="med" len="med"/>
-                      <a:tailEnd type="none" w="med" len="med"/>
-                    </a:lnR>
-                    <a:lnT w="6350" cap="flat" cmpd="sng" algn="ctr">
-                      <a:solidFill>
-                        <a:schemeClr val="bg1">
-                          <a:lumMod val="75000"/>
-                        </a:schemeClr>
-                      </a:solidFill>
-                      <a:prstDash val="solid"/>
-                      <a:round/>
-                      <a:headEnd type="none" w="med" len="med"/>
-                      <a:tailEnd type="none" w="med" len="med"/>
-                    </a:lnT>
-                    <a:lnB w="6350" cap="flat" cmpd="sng" algn="ctr">
-                      <a:solidFill>
-                        <a:schemeClr val="bg1">
-                          <a:lumMod val="75000"/>
-                        </a:schemeClr>
-                      </a:solidFill>
-                      <a:prstDash val="solid"/>
-                      <a:round/>
-                      <a:headEnd type="none" w="med" len="med"/>
-                      <a:tailEnd type="none" w="med" len="med"/>
-                    </a:lnB>
-                    <a:lnTlToBr w="12700" cmpd="sng">
-                      <a:noFill/>
-                      <a:prstDash val="solid"/>
-                    </a:lnTlToBr>
-                    <a:lnBlToTr w="12700" cmpd="sng">
-                      <a:noFill/>
-                      <a:prstDash val="solid"/>
-                    </a:lnBlToTr>
-                    <a:noFill/>
-                  </a:tcPr>
-                </a:tc>
-              </a:tr>
               <a:tr h="489097">
                 <a:tc>
                   <a:txBody>
@@ -5610,7 +5358,7 @@
                     <a:lstStyle/>
                     <a:p>
                       <a:r>
-                        <a:rPr lang="es-MX" sz="1400" b="0" dirty="0" smtClean="0">
+                        <a:rPr lang="es-MX" sz="1400" b="1" dirty="0" smtClean="0">
                           <a:solidFill>
                             <a:schemeClr val="tx1">
                               <a:lumMod val="65000"/>
@@ -5621,7 +5369,7 @@
                         </a:rPr>
                         <a:t>Proyectadas</a:t>
                       </a:r>
-                      <a:endParaRPr lang="es-MX" sz="1400" b="0" dirty="0">
+                      <a:endParaRPr lang="es-MX" sz="1400" b="1" dirty="0">
                         <a:solidFill>
                           <a:schemeClr val="tx1">
                             <a:lumMod val="65000"/>
@@ -6572,82 +6320,6 @@
         <p:spPr>
           <a:xfrm>
             <a:off x="5575000" y="3027320"/>
-            <a:ext cx="2006013" cy="307777"/>
-          </a:xfrm>
-          <a:prstGeom prst="rect">
-            <a:avLst/>
-          </a:prstGeom>
-          <a:noFill/>
-        </p:spPr>
-        <p:txBody>
-          <a:bodyPr wrap="square" rtlCol="0">
-            <a:spAutoFit/>
-          </a:bodyPr>
-          <a:lstStyle/>
-          <a:p>
-            <a:pPr algn="ctr"/>
-            <a:r>
-              <a:rPr lang="es-MX" sz="1400" dirty="0" smtClean="0">
-                <a:latin typeface="Arial Narrow" panose="020B0606020202030204" pitchFamily="34" charset="0"/>
-              </a:rPr>
-              <a:t>I</a:t>
-            </a:r>
-            <a:endParaRPr lang="es-MX" sz="1400" dirty="0">
-              <a:latin typeface="Arial Narrow" panose="020B0606020202030204" pitchFamily="34" charset="0"/>
-            </a:endParaRPr>
-          </a:p>
-        </p:txBody>
-      </p:sp>
-      <p:sp>
-        <p:nvSpPr>
-          <p:cNvPr id="15" name="14 CuadroTexto"/>
-          <p:cNvSpPr txBox="1"/>
-          <p:nvPr/>
-        </p:nvSpPr>
-        <p:spPr>
-          <a:xfrm>
-            <a:off x="3763927" y="4473676"/>
-            <a:ext cx="1722473" cy="307777"/>
-          </a:xfrm>
-          <a:prstGeom prst="rect">
-            <a:avLst/>
-          </a:prstGeom>
-          <a:noFill/>
-        </p:spPr>
-        <p:txBody>
-          <a:bodyPr wrap="square" rtlCol="0">
-            <a:spAutoFit/>
-          </a:bodyPr>
-          <a:lstStyle/>
-          <a:p>
-            <a:pPr algn="ctr"/>
-            <a:r>
-              <a:rPr lang="es-MX" sz="1400" dirty="0" smtClean="0">
-                <a:solidFill>
-                  <a:srgbClr val="008040"/>
-                </a:solidFill>
-                <a:latin typeface="Arial Narrow" panose="020B0606020202030204" pitchFamily="34" charset="0"/>
-              </a:rPr>
-              <a:t>I</a:t>
-            </a:r>
-            <a:endParaRPr lang="es-MX" sz="1400" dirty="0">
-              <a:solidFill>
-                <a:srgbClr val="008040"/>
-              </a:solidFill>
-              <a:latin typeface="Arial Narrow" panose="020B0606020202030204" pitchFamily="34" charset="0"/>
-            </a:endParaRPr>
-          </a:p>
-        </p:txBody>
-      </p:sp>
-      <p:sp>
-        <p:nvSpPr>
-          <p:cNvPr id="17" name="16 CuadroTexto"/>
-          <p:cNvSpPr txBox="1"/>
-          <p:nvPr/>
-        </p:nvSpPr>
-        <p:spPr>
-          <a:xfrm>
-            <a:off x="5575000" y="4478442"/>
             <a:ext cx="2006013" cy="307777"/>
           </a:xfrm>
           <a:prstGeom prst="rect">

--- a/obras/static/ppt/PRINCIPAL_BALANCE_GENERAL_APF.pptx
+++ b/obras/static/ppt/PRINCIPAL_BALANCE_GENERAL_APF.pptx
@@ -12,8 +12,8 @@
   </p:handoutMasterIdLst>
   <p:sldIdLst>
     <p:sldId id="379" r:id="rId2"/>
-    <p:sldId id="380" r:id="rId3"/>
-    <p:sldId id="381" r:id="rId4"/>
+    <p:sldId id="382" r:id="rId3"/>
+    <p:sldId id="383" r:id="rId4"/>
   </p:sldIdLst>
   <p:sldSz cx="9144000" cy="6858000" type="screen4x3"/>
   <p:notesSz cx="7010400" cy="9296400"/>
@@ -227,7 +227,7 @@
           <a:p>
             <a:fld id="{D91412EE-E23B-4E74-9CBF-E5AF10137E0E}" type="datetimeFigureOut">
               <a:rPr lang="es-MX" smtClean="0"/>
-              <a:t>18/08/2015</a:t>
+              <a:t>26/05/2016</a:t>
             </a:fld>
             <a:endParaRPr lang="es-MX"/>
           </a:p>
@@ -392,7 +392,7 @@
           <a:p>
             <a:fld id="{56612B8C-D436-442C-AF8F-F0830C8620CD}" type="datetimeFigureOut">
               <a:rPr lang="es-MX" smtClean="0"/>
-              <a:t>18/08/2015</a:t>
+              <a:t>26/05/2016</a:t>
             </a:fld>
             <a:endParaRPr lang="es-MX"/>
           </a:p>
@@ -827,7 +827,7 @@
     </p:spTree>
     <p:extLst>
       <p:ext uri="{BB962C8B-B14F-4D97-AF65-F5344CB8AC3E}">
-        <p14:creationId xmlns:p14="http://schemas.microsoft.com/office/powerpoint/2010/main" val="3142184499"/>
+        <p14:creationId xmlns:p14="http://schemas.microsoft.com/office/powerpoint/2010/main" val="1079590406"/>
       </p:ext>
     </p:extLst>
   </p:cSld>
@@ -901,17 +901,26 @@
           <a:lstStyle/>
           <a:p>
             <a:fld id="{A82357EA-43AF-429B-AE0C-75EBE8A0A697}" type="slidenum">
-              <a:rPr lang="es-MX" smtClean="0"/>
+              <a:rPr lang="es-MX" smtClean="0">
+                <a:solidFill>
+                  <a:prstClr val="black"/>
+                </a:solidFill>
+              </a:rPr>
+              <a:pPr/>
               <a:t>3</a:t>
             </a:fld>
-            <a:endParaRPr lang="es-MX"/>
+            <a:endParaRPr lang="es-MX">
+              <a:solidFill>
+                <a:prstClr val="black"/>
+              </a:solidFill>
+            </a:endParaRPr>
           </a:p>
         </p:txBody>
       </p:sp>
     </p:spTree>
     <p:extLst>
       <p:ext uri="{BB962C8B-B14F-4D97-AF65-F5344CB8AC3E}">
-        <p14:creationId xmlns:p14="http://schemas.microsoft.com/office/powerpoint/2010/main" val="3142184499"/>
+        <p14:creationId xmlns:p14="http://schemas.microsoft.com/office/powerpoint/2010/main" val="3940763306"/>
       </p:ext>
     </p:extLst>
   </p:cSld>
@@ -1102,7 +1111,7 @@
           <a:p>
             <a:fld id="{46C625CF-D8F4-6941-B2C3-3F15474FDD83}" type="datetimeFigureOut">
               <a:rPr lang="es-ES" smtClean="0"/>
-              <a:t>18/08/2015</a:t>
+              <a:t>26/05/2016</a:t>
             </a:fld>
             <a:endParaRPr lang="es-ES"/>
           </a:p>
@@ -1272,7 +1281,7 @@
           <a:p>
             <a:fld id="{46C625CF-D8F4-6941-B2C3-3F15474FDD83}" type="datetimeFigureOut">
               <a:rPr lang="es-ES" smtClean="0"/>
-              <a:t>18/08/2015</a:t>
+              <a:t>26/05/2016</a:t>
             </a:fld>
             <a:endParaRPr lang="es-ES"/>
           </a:p>
@@ -1452,7 +1461,7 @@
           <a:p>
             <a:fld id="{46C625CF-D8F4-6941-B2C3-3F15474FDD83}" type="datetimeFigureOut">
               <a:rPr lang="es-ES" smtClean="0"/>
-              <a:t>18/08/2015</a:t>
+              <a:t>26/05/2016</a:t>
             </a:fld>
             <a:endParaRPr lang="es-ES"/>
           </a:p>
@@ -1622,7 +1631,7 @@
           <a:p>
             <a:fld id="{46C625CF-D8F4-6941-B2C3-3F15474FDD83}" type="datetimeFigureOut">
               <a:rPr lang="es-ES" smtClean="0"/>
-              <a:t>18/08/2015</a:t>
+              <a:t>26/05/2016</a:t>
             </a:fld>
             <a:endParaRPr lang="es-ES"/>
           </a:p>
@@ -1868,7 +1877,7 @@
           <a:p>
             <a:fld id="{46C625CF-D8F4-6941-B2C3-3F15474FDD83}" type="datetimeFigureOut">
               <a:rPr lang="es-ES" smtClean="0"/>
-              <a:t>18/08/2015</a:t>
+              <a:t>26/05/2016</a:t>
             </a:fld>
             <a:endParaRPr lang="es-ES"/>
           </a:p>
@@ -2156,7 +2165,7 @@
           <a:p>
             <a:fld id="{46C625CF-D8F4-6941-B2C3-3F15474FDD83}" type="datetimeFigureOut">
               <a:rPr lang="es-ES" smtClean="0"/>
-              <a:t>18/08/2015</a:t>
+              <a:t>26/05/2016</a:t>
             </a:fld>
             <a:endParaRPr lang="es-ES"/>
           </a:p>
@@ -2578,7 +2587,7 @@
           <a:p>
             <a:fld id="{46C625CF-D8F4-6941-B2C3-3F15474FDD83}" type="datetimeFigureOut">
               <a:rPr lang="es-ES" smtClean="0"/>
-              <a:t>18/08/2015</a:t>
+              <a:t>26/05/2016</a:t>
             </a:fld>
             <a:endParaRPr lang="es-ES"/>
           </a:p>
@@ -2696,7 +2705,7 @@
           <a:p>
             <a:fld id="{46C625CF-D8F4-6941-B2C3-3F15474FDD83}" type="datetimeFigureOut">
               <a:rPr lang="es-ES" smtClean="0"/>
-              <a:t>18/08/2015</a:t>
+              <a:t>26/05/2016</a:t>
             </a:fld>
             <a:endParaRPr lang="es-ES"/>
           </a:p>
@@ -2791,7 +2800,7 @@
           <a:p>
             <a:fld id="{46C625CF-D8F4-6941-B2C3-3F15474FDD83}" type="datetimeFigureOut">
               <a:rPr lang="es-ES" smtClean="0"/>
-              <a:t>18/08/2015</a:t>
+              <a:t>26/05/2016</a:t>
             </a:fld>
             <a:endParaRPr lang="es-ES"/>
           </a:p>
@@ -3075,7 +3084,7 @@
           <a:p>
             <a:fld id="{46C625CF-D8F4-6941-B2C3-3F15474FDD83}" type="datetimeFigureOut">
               <a:rPr lang="es-ES" smtClean="0"/>
-              <a:t>18/08/2015</a:t>
+              <a:t>26/05/2016</a:t>
             </a:fld>
             <a:endParaRPr lang="es-ES"/>
           </a:p>
@@ -3328,7 +3337,7 @@
           <a:p>
             <a:fld id="{46C625CF-D8F4-6941-B2C3-3F15474FDD83}" type="datetimeFigureOut">
               <a:rPr lang="es-ES" smtClean="0"/>
-              <a:t>18/08/2015</a:t>
+              <a:t>26/05/2016</a:t>
             </a:fld>
             <a:endParaRPr lang="es-ES"/>
           </a:p>
@@ -3547,7 +3556,7 @@
           <a:p>
             <a:fld id="{46C625CF-D8F4-6941-B2C3-3F15474FDD83}" type="datetimeFigureOut">
               <a:rPr lang="es-ES" smtClean="0"/>
-              <a:t>18/08/2015</a:t>
+              <a:t>26/05/2016</a:t>
             </a:fld>
             <a:endParaRPr lang="es-ES"/>
           </a:p>
@@ -6531,11 +6540,7 @@
           </p:cNvGraphicFramePr>
           <p:nvPr>
             <p:ph idx="1"/>
-            <p:extLst>
-              <p:ext uri="{D42A27DB-BD31-4B8C-83A1-F6EECF244321}">
-                <p14:modId xmlns:p14="http://schemas.microsoft.com/office/powerpoint/2010/main" val="3788784127"/>
-              </p:ext>
-            </p:extLst>
+            <p:extLst/>
           </p:nvPr>
         </p:nvGraphicFramePr>
         <p:xfrm>
@@ -9690,16 +9695,12 @@
             <a:graphicFrameLocks/>
           </p:cNvGraphicFramePr>
           <p:nvPr>
-            <p:extLst>
-              <p:ext uri="{D42A27DB-BD31-4B8C-83A1-F6EECF244321}">
-                <p14:modId xmlns:p14="http://schemas.microsoft.com/office/powerpoint/2010/main" val="672955363"/>
-              </p:ext>
-            </p:extLst>
+            <p:extLst/>
           </p:nvPr>
         </p:nvGraphicFramePr>
         <p:xfrm>
-          <a:off x="4417218" y="1609018"/>
-          <a:ext cx="3939972" cy="3828350"/>
+          <a:off x="4417218" y="1633812"/>
+          <a:ext cx="3939972" cy="4132580"/>
         </p:xfrm>
         <a:graphic>
           <a:graphicData uri="http://schemas.openxmlformats.org/drawingml/2006/table">
@@ -9712,7 +9713,370 @@
                 <a:gridCol w="721425"/>
                 <a:gridCol w="171709"/>
               </a:tblGrid>
-              <a:tr h="560024">
+              <a:tr h="527381">
+                <a:tc>
+                  <a:txBody>
+                    <a:bodyPr/>
+                    <a:lstStyle/>
+                    <a:p>
+                      <a:pPr algn="l">
+                        <a:spcAft>
+                          <a:spcPts val="0"/>
+                        </a:spcAft>
+                      </a:pPr>
+                      <a:endParaRPr lang="es-MX" sz="1000" dirty="0">
+                        <a:effectLst/>
+                        <a:latin typeface="Cambria"/>
+                        <a:ea typeface="MS Mincho"/>
+                        <a:cs typeface="Times New Roman"/>
+                      </a:endParaRPr>
+                    </a:p>
+                  </a:txBody>
+                  <a:tcPr marL="55978" marR="55978" marT="0" marB="0">
+                    <a:lnL w="12700" cap="flat" cmpd="sng" algn="ctr">
+                      <a:noFill/>
+                      <a:prstDash val="solid"/>
+                      <a:round/>
+                      <a:headEnd type="none" w="med" len="med"/>
+                      <a:tailEnd type="none" w="med" len="med"/>
+                    </a:lnL>
+                    <a:lnR w="19050" cap="flat" cmpd="sng" algn="ctr">
+                      <a:noFill/>
+                      <a:prstDash val="solid"/>
+                      <a:round/>
+                      <a:headEnd type="none" w="med" len="med"/>
+                      <a:tailEnd type="none" w="med" len="med"/>
+                    </a:lnR>
+                    <a:lnT w="12700" cap="flat" cmpd="sng" algn="ctr">
+                      <a:noFill/>
+                      <a:prstDash val="solid"/>
+                      <a:round/>
+                      <a:headEnd type="none" w="med" len="med"/>
+                      <a:tailEnd type="none" w="med" len="med"/>
+                    </a:lnT>
+                    <a:lnB w="12700" cap="flat" cmpd="sng" algn="ctr">
+                      <a:noFill/>
+                      <a:prstDash val="solid"/>
+                      <a:round/>
+                      <a:headEnd type="none" w="med" len="med"/>
+                      <a:tailEnd type="none" w="med" len="med"/>
+                    </a:lnB>
+                    <a:lnTlToBr w="12700" cmpd="sng">
+                      <a:noFill/>
+                      <a:prstDash val="solid"/>
+                    </a:lnTlToBr>
+                    <a:lnBlToTr w="12700" cmpd="sng">
+                      <a:noFill/>
+                      <a:prstDash val="solid"/>
+                    </a:lnBlToTr>
+                  </a:tcPr>
+                </a:tc>
+                <a:tc>
+                  <a:txBody>
+                    <a:bodyPr/>
+                    <a:lstStyle/>
+                    <a:p>
+                      <a:pPr marL="0" marR="0" indent="0" algn="r" defTabSz="457200" rtl="0" eaLnBrk="1" fontAlgn="auto" latinLnBrk="0" hangingPunct="1">
+                        <a:lnSpc>
+                          <a:spcPct val="100000"/>
+                        </a:lnSpc>
+                        <a:spcBef>
+                          <a:spcPts val="0"/>
+                        </a:spcBef>
+                        <a:spcAft>
+                          <a:spcPts val="0"/>
+                        </a:spcAft>
+                        <a:buClrTx/>
+                        <a:buSzTx/>
+                        <a:buFontTx/>
+                        <a:buNone/>
+                        <a:tabLst/>
+                        <a:defRPr/>
+                      </a:pPr>
+                      <a:r>
+                        <a:rPr lang="es-MX" sz="1300" b="0" kern="1200" dirty="0" smtClean="0">
+                          <a:solidFill>
+                            <a:schemeClr val="tx1">
+                              <a:lumMod val="65000"/>
+                              <a:lumOff val="35000"/>
+                            </a:schemeClr>
+                          </a:solidFill>
+                          <a:effectLst/>
+                          <a:latin typeface="Arial Narrow" panose="020B0606020202030204" pitchFamily="34" charset="0"/>
+                          <a:ea typeface="Calibri"/>
+                          <a:cs typeface="Arial"/>
+                        </a:rPr>
+                        <a:t>Secretaría</a:t>
+                      </a:r>
+                      <a:r>
+                        <a:rPr lang="es-MX" sz="1300" b="0" kern="1200" baseline="0" dirty="0" smtClean="0">
+                          <a:solidFill>
+                            <a:schemeClr val="tx1">
+                              <a:lumMod val="65000"/>
+                              <a:lumOff val="35000"/>
+                            </a:schemeClr>
+                          </a:solidFill>
+                          <a:effectLst/>
+                          <a:latin typeface="Arial Narrow" panose="020B0606020202030204" pitchFamily="34" charset="0"/>
+                          <a:ea typeface="Calibri"/>
+                          <a:cs typeface="Arial"/>
+                        </a:rPr>
+                        <a:t> de </a:t>
+                      </a:r>
+                      <a:r>
+                        <a:rPr lang="es-MX" sz="1300" b="1" kern="1200" baseline="0" dirty="0" smtClean="0">
+                          <a:solidFill>
+                            <a:schemeClr val="tx1">
+                              <a:lumMod val="65000"/>
+                              <a:lumOff val="35000"/>
+                            </a:schemeClr>
+                          </a:solidFill>
+                          <a:effectLst/>
+                          <a:latin typeface="Arial Narrow" panose="020B0606020202030204" pitchFamily="34" charset="0"/>
+                          <a:ea typeface="Calibri"/>
+                          <a:cs typeface="Arial"/>
+                        </a:rPr>
+                        <a:t>Cultura</a:t>
+                      </a:r>
+                      <a:endParaRPr lang="es-MX" sz="1300" b="1" kern="1200" dirty="0" smtClean="0">
+                        <a:solidFill>
+                          <a:schemeClr val="tx1">
+                            <a:lumMod val="65000"/>
+                            <a:lumOff val="35000"/>
+                          </a:schemeClr>
+                        </a:solidFill>
+                        <a:effectLst/>
+                        <a:latin typeface="Arial Narrow" panose="020B0606020202030204" pitchFamily="34" charset="0"/>
+                        <a:ea typeface="Calibri"/>
+                        <a:cs typeface="Arial"/>
+                      </a:endParaRPr>
+                    </a:p>
+                  </a:txBody>
+                  <a:tcPr marL="55978" marR="55978" marT="0" marB="0" anchor="ctr">
+                    <a:lnL w="19050" cap="flat" cmpd="sng" algn="ctr">
+                      <a:noFill/>
+                      <a:prstDash val="solid"/>
+                      <a:round/>
+                      <a:headEnd type="none" w="med" len="med"/>
+                      <a:tailEnd type="none" w="med" len="med"/>
+                    </a:lnL>
+                    <a:lnR w="19050" cap="flat" cmpd="sng" algn="ctr">
+                      <a:noFill/>
+                      <a:prstDash val="solid"/>
+                      <a:round/>
+                      <a:headEnd type="none" w="med" len="med"/>
+                      <a:tailEnd type="none" w="med" len="med"/>
+                    </a:lnR>
+                    <a:lnT w="19050" cap="flat" cmpd="sng" algn="ctr">
+                      <a:noFill/>
+                      <a:prstDash val="solid"/>
+                      <a:round/>
+                      <a:headEnd type="none" w="med" len="med"/>
+                      <a:tailEnd type="none" w="med" len="med"/>
+                    </a:lnT>
+                    <a:lnB w="19050" cap="flat" cmpd="sng" algn="ctr">
+                      <a:noFill/>
+                      <a:prstDash val="solid"/>
+                      <a:round/>
+                      <a:headEnd type="none" w="med" len="med"/>
+                      <a:tailEnd type="none" w="med" len="med"/>
+                    </a:lnB>
+                    <a:lnTlToBr w="12700" cmpd="sng">
+                      <a:noFill/>
+                      <a:prstDash val="solid"/>
+                    </a:lnTlToBr>
+                    <a:lnBlToTr w="12700" cmpd="sng">
+                      <a:noFill/>
+                      <a:prstDash val="solid"/>
+                    </a:lnBlToTr>
+                    <a:solidFill>
+                      <a:schemeClr val="bg1"/>
+                    </a:solidFill>
+                  </a:tcPr>
+                </a:tc>
+                <a:tc>
+                  <a:txBody>
+                    <a:bodyPr/>
+                    <a:lstStyle/>
+                    <a:p>
+                      <a:pPr algn="l">
+                        <a:spcAft>
+                          <a:spcPts val="0"/>
+                        </a:spcAft>
+                      </a:pPr>
+                      <a:endParaRPr lang="es-MX" sz="1000" dirty="0">
+                        <a:effectLst/>
+                        <a:latin typeface="Cambria"/>
+                        <a:ea typeface="MS Mincho"/>
+                        <a:cs typeface="Times New Roman"/>
+                      </a:endParaRPr>
+                    </a:p>
+                  </a:txBody>
+                  <a:tcPr marL="55978" marR="55978" marT="0" marB="0">
+                    <a:lnL w="19050" cap="flat" cmpd="sng" algn="ctr">
+                      <a:noFill/>
+                      <a:prstDash val="solid"/>
+                      <a:round/>
+                      <a:headEnd type="none" w="med" len="med"/>
+                      <a:tailEnd type="none" w="med" len="med"/>
+                    </a:lnL>
+                    <a:lnR w="12700" cap="flat" cmpd="sng" algn="ctr">
+                      <a:noFill/>
+                      <a:prstDash val="solid"/>
+                      <a:round/>
+                      <a:headEnd type="none" w="med" len="med"/>
+                      <a:tailEnd type="none" w="med" len="med"/>
+                    </a:lnR>
+                    <a:lnT w="12700" cap="flat" cmpd="sng" algn="ctr">
+                      <a:noFill/>
+                      <a:prstDash val="solid"/>
+                      <a:round/>
+                      <a:headEnd type="none" w="med" len="med"/>
+                      <a:tailEnd type="none" w="med" len="med"/>
+                    </a:lnT>
+                    <a:lnB w="12700" cap="flat" cmpd="sng" algn="ctr">
+                      <a:noFill/>
+                      <a:prstDash val="solid"/>
+                      <a:round/>
+                      <a:headEnd type="none" w="med" len="med"/>
+                      <a:tailEnd type="none" w="med" len="med"/>
+                    </a:lnB>
+                    <a:lnTlToBr w="12700" cmpd="sng">
+                      <a:noFill/>
+                      <a:prstDash val="solid"/>
+                    </a:lnTlToBr>
+                    <a:lnBlToTr w="12700" cmpd="sng">
+                      <a:noFill/>
+                      <a:prstDash val="solid"/>
+                    </a:lnBlToTr>
+                    <a:solidFill>
+                      <a:schemeClr val="bg1">
+                        <a:lumMod val="75000"/>
+                      </a:schemeClr>
+                    </a:solidFill>
+                  </a:tcPr>
+                </a:tc>
+                <a:tc>
+                  <a:txBody>
+                    <a:bodyPr/>
+                    <a:lstStyle/>
+                    <a:p>
+                      <a:pPr algn="l">
+                        <a:spcAft>
+                          <a:spcPts val="0"/>
+                        </a:spcAft>
+                      </a:pPr>
+                      <a:endParaRPr lang="es-MX" sz="1000" dirty="0">
+                        <a:effectLst/>
+                        <a:latin typeface="Cambria"/>
+                        <a:ea typeface="MS Mincho"/>
+                        <a:cs typeface="Times New Roman"/>
+                      </a:endParaRPr>
+                    </a:p>
+                  </a:txBody>
+                  <a:tcPr marL="55978" marR="55978" marT="0" marB="0">
+                    <a:lnL w="12700" cap="flat" cmpd="sng" algn="ctr">
+                      <a:noFill/>
+                      <a:prstDash val="solid"/>
+                      <a:round/>
+                      <a:headEnd type="none" w="med" len="med"/>
+                      <a:tailEnd type="none" w="med" len="med"/>
+                    </a:lnL>
+                    <a:lnR w="12700" cap="flat" cmpd="sng" algn="ctr">
+                      <a:noFill/>
+                      <a:prstDash val="solid"/>
+                      <a:round/>
+                      <a:headEnd type="none" w="med" len="med"/>
+                      <a:tailEnd type="none" w="med" len="med"/>
+                    </a:lnR>
+                    <a:lnT w="12700" cap="flat" cmpd="sng" algn="ctr">
+                      <a:noFill/>
+                      <a:prstDash val="solid"/>
+                      <a:round/>
+                      <a:headEnd type="none" w="med" len="med"/>
+                      <a:tailEnd type="none" w="med" len="med"/>
+                    </a:lnT>
+                    <a:lnB w="12700" cap="flat" cmpd="sng" algn="ctr">
+                      <a:noFill/>
+                      <a:prstDash val="solid"/>
+                      <a:round/>
+                      <a:headEnd type="none" w="med" len="med"/>
+                      <a:tailEnd type="none" w="med" len="med"/>
+                    </a:lnB>
+                    <a:lnTlToBr w="12700" cmpd="sng">
+                      <a:noFill/>
+                      <a:prstDash val="solid"/>
+                    </a:lnTlToBr>
+                    <a:lnBlToTr w="12700" cmpd="sng">
+                      <a:noFill/>
+                      <a:prstDash val="solid"/>
+                    </a:lnBlToTr>
+                    <a:solidFill>
+                      <a:schemeClr val="bg1">
+                        <a:lumMod val="85000"/>
+                      </a:schemeClr>
+                    </a:solidFill>
+                  </a:tcPr>
+                </a:tc>
+                <a:tc>
+                  <a:txBody>
+                    <a:bodyPr/>
+                    <a:lstStyle/>
+                    <a:p>
+                      <a:pPr algn="l">
+                        <a:spcAft>
+                          <a:spcPts val="0"/>
+                        </a:spcAft>
+                      </a:pPr>
+                      <a:endParaRPr lang="es-MX" sz="1000" dirty="0">
+                        <a:effectLst/>
+                        <a:latin typeface="Cambria"/>
+                        <a:ea typeface="MS Mincho"/>
+                        <a:cs typeface="Times New Roman"/>
+                      </a:endParaRPr>
+                    </a:p>
+                  </a:txBody>
+                  <a:tcPr marL="55978" marR="55978" marT="0" marB="0">
+                    <a:lnL w="12700" cap="flat" cmpd="sng" algn="ctr">
+                      <a:noFill/>
+                      <a:prstDash val="solid"/>
+                      <a:round/>
+                      <a:headEnd type="none" w="med" len="med"/>
+                      <a:tailEnd type="none" w="med" len="med"/>
+                    </a:lnL>
+                    <a:lnR w="12700" cap="flat" cmpd="sng" algn="ctr">
+                      <a:noFill/>
+                      <a:prstDash val="solid"/>
+                      <a:round/>
+                      <a:headEnd type="none" w="med" len="med"/>
+                      <a:tailEnd type="none" w="med" len="med"/>
+                    </a:lnR>
+                    <a:lnT w="12700" cap="flat" cmpd="sng" algn="ctr">
+                      <a:noFill/>
+                      <a:prstDash val="solid"/>
+                      <a:round/>
+                      <a:headEnd type="none" w="med" len="med"/>
+                      <a:tailEnd type="none" w="med" len="med"/>
+                    </a:lnT>
+                    <a:lnB w="12700" cap="flat" cmpd="sng" algn="ctr">
+                      <a:noFill/>
+                      <a:prstDash val="solid"/>
+                      <a:round/>
+                      <a:headEnd type="none" w="med" len="med"/>
+                      <a:tailEnd type="none" w="med" len="med"/>
+                    </a:lnB>
+                    <a:lnTlToBr w="12700" cmpd="sng">
+                      <a:noFill/>
+                      <a:prstDash val="solid"/>
+                    </a:lnTlToBr>
+                    <a:lnBlToTr w="12700" cmpd="sng">
+                      <a:noFill/>
+                      <a:prstDash val="solid"/>
+                    </a:lnBlToTr>
+                  </a:tcPr>
+                </a:tc>
+              </a:tr>
+              <a:tr h="527381">
                 <a:tc>
                   <a:txBody>
                     <a:bodyPr/>
@@ -10097,7 +10461,7 @@
                   </a:tcPr>
                 </a:tc>
               </a:tr>
-              <a:tr h="520995">
+              <a:tr h="490626">
                 <a:tc>
                   <a:txBody>
                     <a:bodyPr/>
@@ -10467,7 +10831,7 @@
                   </a:tcPr>
                 </a:tc>
               </a:tr>
-              <a:tr h="584791">
+              <a:tr h="550704">
                 <a:tc>
                   <a:txBody>
                     <a:bodyPr/>
@@ -10816,7 +11180,7 @@
                   </a:tcPr>
                 </a:tc>
               </a:tr>
-              <a:tr h="489098">
+              <a:tr h="460589">
                 <a:tc>
                   <a:txBody>
                     <a:bodyPr/>
@@ -11146,7 +11510,7 @@
                   </a:tcPr>
                 </a:tc>
               </a:tr>
-              <a:tr h="574158">
+              <a:tr h="540691">
                 <a:tc>
                   <a:txBody>
                     <a:bodyPr/>
@@ -11521,7 +11885,7 @@
                   </a:tcPr>
                 </a:tc>
               </a:tr>
-              <a:tr h="493231">
+              <a:tr h="464481">
                 <a:tc>
                   <a:txBody>
                     <a:bodyPr/>
@@ -11865,7 +12229,7 @@
                   </a:tcPr>
                 </a:tc>
               </a:tr>
-              <a:tr h="606053">
+              <a:tr h="570727">
                 <a:tc>
                   <a:txBody>
                     <a:bodyPr/>
@@ -12273,7 +12637,7 @@
         </p:blipFill>
         <p:spPr>
           <a:xfrm>
-            <a:off x="7648934" y="4938666"/>
+            <a:off x="7648934" y="5308827"/>
             <a:ext cx="335970" cy="401652"/>
           </a:xfrm>
           <a:prstGeom prst="rect">
@@ -12305,7 +12669,11 @@
           </a:bodyPr>
           <a:lstStyle/>
           <a:p>
-            <a:endParaRPr lang="es-MX" dirty="0"/>
+            <a:endParaRPr lang="es-MX" dirty="0">
+              <a:solidFill>
+                <a:prstClr val="black"/>
+              </a:solidFill>
+            </a:endParaRPr>
           </a:p>
         </p:txBody>
       </p:sp>
@@ -12502,7 +12870,7 @@
         </p:blipFill>
         <p:spPr>
           <a:xfrm>
-            <a:off x="7605555" y="1678951"/>
+            <a:off x="7605555" y="2199012"/>
             <a:ext cx="360036" cy="395532"/>
           </a:xfrm>
           <a:prstGeom prst="rect">
@@ -12532,7 +12900,7 @@
         </p:blipFill>
         <p:spPr>
           <a:xfrm>
-            <a:off x="7618566" y="4376120"/>
+            <a:off x="7618566" y="4776261"/>
             <a:ext cx="385999" cy="414677"/>
           </a:xfrm>
           <a:prstGeom prst="rect">
@@ -12622,7 +12990,7 @@
         </p:blipFill>
         <p:spPr>
           <a:xfrm>
-            <a:off x="7624183" y="3311611"/>
+            <a:off x="7624183" y="3786702"/>
             <a:ext cx="371658" cy="399282"/>
           </a:xfrm>
           <a:prstGeom prst="rect">
@@ -12684,10 +13052,18 @@
           </a:bodyPr>
           <a:lstStyle/>
           <a:p>
-            <a:endParaRPr lang="es-MX" dirty="0" smtClean="0"/>
+            <a:endParaRPr lang="es-MX" dirty="0" smtClean="0">
+              <a:solidFill>
+                <a:prstClr val="black"/>
+              </a:solidFill>
+            </a:endParaRPr>
           </a:p>
           <a:p>
-            <a:endParaRPr lang="es-MX" sz="800" dirty="0"/>
+            <a:endParaRPr lang="es-MX" sz="800" dirty="0">
+              <a:solidFill>
+                <a:prstClr val="black"/>
+              </a:solidFill>
+            </a:endParaRPr>
           </a:p>
         </p:txBody>
       </p:sp>
@@ -12715,7 +13091,11 @@
           </a:bodyPr>
           <a:lstStyle/>
           <a:p>
-            <a:endParaRPr lang="es-MX" sz="2400" dirty="0" smtClean="0"/>
+            <a:endParaRPr lang="es-MX" sz="2400" dirty="0" smtClean="0">
+              <a:solidFill>
+                <a:prstClr val="black"/>
+              </a:solidFill>
+            </a:endParaRPr>
           </a:p>
         </p:txBody>
       </p:sp>
@@ -12743,7 +13123,11 @@
           </a:bodyPr>
           <a:lstStyle/>
           <a:p>
-            <a:endParaRPr lang="es-MX" sz="2000" dirty="0" smtClean="0"/>
+            <a:endParaRPr lang="es-MX" sz="2000" dirty="0" smtClean="0">
+              <a:solidFill>
+                <a:prstClr val="black"/>
+              </a:solidFill>
+            </a:endParaRPr>
           </a:p>
         </p:txBody>
       </p:sp>
@@ -12771,7 +13155,11 @@
           </a:bodyPr>
           <a:lstStyle/>
           <a:p>
-            <a:endParaRPr lang="es-MX" sz="2000" dirty="0" smtClean="0"/>
+            <a:endParaRPr lang="es-MX" sz="2000" dirty="0" smtClean="0">
+              <a:solidFill>
+                <a:prstClr val="black"/>
+              </a:solidFill>
+            </a:endParaRPr>
           </a:p>
         </p:txBody>
       </p:sp>
@@ -12799,7 +13187,11 @@
           </a:bodyPr>
           <a:lstStyle/>
           <a:p>
-            <a:endParaRPr lang="es-MX" sz="2000" dirty="0" smtClean="0"/>
+            <a:endParaRPr lang="es-MX" sz="2000" dirty="0" smtClean="0">
+              <a:solidFill>
+                <a:prstClr val="black"/>
+              </a:solidFill>
+            </a:endParaRPr>
           </a:p>
         </p:txBody>
       </p:sp>
@@ -12827,7 +13219,11 @@
           </a:bodyPr>
           <a:lstStyle/>
           <a:p>
-            <a:endParaRPr lang="es-MX" sz="2000" dirty="0" smtClean="0"/>
+            <a:endParaRPr lang="es-MX" sz="2000" dirty="0" smtClean="0">
+              <a:solidFill>
+                <a:prstClr val="black"/>
+              </a:solidFill>
+            </a:endParaRPr>
           </a:p>
         </p:txBody>
       </p:sp>
@@ -12855,7 +13251,11 @@
           </a:bodyPr>
           <a:lstStyle/>
           <a:p>
-            <a:endParaRPr lang="es-MX" sz="2000" dirty="0" smtClean="0"/>
+            <a:endParaRPr lang="es-MX" sz="2000" dirty="0" smtClean="0">
+              <a:solidFill>
+                <a:prstClr val="black"/>
+              </a:solidFill>
+            </a:endParaRPr>
           </a:p>
         </p:txBody>
       </p:sp>
@@ -12869,7 +13269,7 @@
         </p:nvSpPr>
         <p:spPr>
           <a:xfrm>
-            <a:off x="4507486" y="1708048"/>
+            <a:off x="4507486" y="2107313"/>
             <a:ext cx="2764441" cy="400110"/>
           </a:xfrm>
           <a:prstGeom prst="rect">
@@ -12883,7 +13283,11 @@
           </a:bodyPr>
           <a:lstStyle/>
           <a:p>
-            <a:endParaRPr lang="es-MX" sz="2000" dirty="0" smtClean="0"/>
+            <a:endParaRPr lang="es-MX" sz="2000" dirty="0" smtClean="0">
+              <a:solidFill>
+                <a:prstClr val="black"/>
+              </a:solidFill>
+            </a:endParaRPr>
           </a:p>
         </p:txBody>
       </p:sp>
@@ -12897,7 +13301,39 @@
         </p:nvSpPr>
         <p:spPr>
           <a:xfrm>
-            <a:off x="4521657" y="2232603"/>
+            <a:off x="4521657" y="2622343"/>
+            <a:ext cx="2750270" cy="400110"/>
+          </a:xfrm>
+          <a:prstGeom prst="rect">
+            <a:avLst/>
+          </a:prstGeom>
+          <a:noFill/>
+        </p:spPr>
+        <p:txBody>
+          <a:bodyPr wrap="square" rtlCol="0">
+            <a:spAutoFit/>
+          </a:bodyPr>
+          <a:lstStyle/>
+          <a:p>
+            <a:endParaRPr lang="es-MX" sz="2000" dirty="0" smtClean="0">
+              <a:solidFill>
+                <a:prstClr val="black"/>
+              </a:solidFill>
+            </a:endParaRPr>
+          </a:p>
+        </p:txBody>
+      </p:sp>
+      <p:sp>
+        <p:nvSpPr>
+          <p:cNvPr id="74" name="73 CuadroTexto">
+            <a:hlinkClick r:id="rId26" action="ppaction://hlinkpres?slideindex=21&amp;slidetitle=| Obras concluidas por SECTOR |"/>
+          </p:cNvPr>
+          <p:cNvSpPr txBox="1"/>
+          <p:nvPr/>
+        </p:nvSpPr>
+        <p:spPr>
+          <a:xfrm>
+            <a:off x="4525195" y="3146898"/>
             <a:ext cx="2764441" cy="400110"/>
           </a:xfrm>
           <a:prstGeom prst="rect">
@@ -12911,21 +13347,25 @@
           </a:bodyPr>
           <a:lstStyle/>
           <a:p>
-            <a:endParaRPr lang="es-MX" sz="2000" dirty="0" smtClean="0"/>
+            <a:endParaRPr lang="es-MX" sz="2000" dirty="0" smtClean="0">
+              <a:solidFill>
+                <a:prstClr val="black"/>
+              </a:solidFill>
+            </a:endParaRPr>
           </a:p>
         </p:txBody>
       </p:sp>
       <p:sp>
         <p:nvSpPr>
-          <p:cNvPr id="74" name="73 CuadroTexto">
-            <a:hlinkClick r:id="rId26" action="ppaction://hlinkpres?slideindex=21&amp;slidetitle=| Obras concluidas por SECTOR |"/>
+          <p:cNvPr id="75" name="74 CuadroTexto">
+            <a:hlinkClick r:id="rId27" action="ppaction://hlinkpres?slideindex=23&amp;slidetitle=| Obras concluidas por SECTOR |"/>
           </p:cNvPr>
           <p:cNvSpPr txBox="1"/>
           <p:nvPr/>
         </p:nvSpPr>
         <p:spPr>
           <a:xfrm>
-            <a:off x="4525195" y="2757158"/>
+            <a:off x="4528733" y="3724618"/>
             <a:ext cx="2764441" cy="400110"/>
           </a:xfrm>
           <a:prstGeom prst="rect">
@@ -12939,21 +13379,25 @@
           </a:bodyPr>
           <a:lstStyle/>
           <a:p>
-            <a:endParaRPr lang="es-MX" sz="2000" dirty="0" smtClean="0"/>
+            <a:endParaRPr lang="es-MX" sz="2000" dirty="0" smtClean="0">
+              <a:solidFill>
+                <a:prstClr val="black"/>
+              </a:solidFill>
+            </a:endParaRPr>
           </a:p>
         </p:txBody>
       </p:sp>
       <p:sp>
         <p:nvSpPr>
-          <p:cNvPr id="75" name="74 CuadroTexto">
-            <a:hlinkClick r:id="rId27" action="ppaction://hlinkpres?slideindex=23&amp;slidetitle=| Obras concluidas por SECTOR |"/>
+          <p:cNvPr id="76" name="75 CuadroTexto">
+            <a:hlinkClick r:id="rId28" action="ppaction://hlinkpres?slideindex=25&amp;slidetitle=| Obras concluidas por SECTOR |"/>
           </p:cNvPr>
           <p:cNvSpPr txBox="1"/>
           <p:nvPr/>
         </p:nvSpPr>
         <p:spPr>
           <a:xfrm>
-            <a:off x="4528733" y="3334878"/>
+            <a:off x="4521638" y="4249173"/>
             <a:ext cx="2764441" cy="400110"/>
           </a:xfrm>
           <a:prstGeom prst="rect">
@@ -12967,21 +13411,25 @@
           </a:bodyPr>
           <a:lstStyle/>
           <a:p>
-            <a:endParaRPr lang="es-MX" sz="2000" dirty="0" smtClean="0"/>
+            <a:endParaRPr lang="es-MX" sz="2000" dirty="0" smtClean="0">
+              <a:solidFill>
+                <a:prstClr val="black"/>
+              </a:solidFill>
+            </a:endParaRPr>
           </a:p>
         </p:txBody>
       </p:sp>
       <p:sp>
         <p:nvSpPr>
-          <p:cNvPr id="76" name="75 CuadroTexto">
-            <a:hlinkClick r:id="rId28" action="ppaction://hlinkpres?slideindex=25&amp;slidetitle=| Obras concluidas por SECTOR |"/>
+          <p:cNvPr id="77" name="76 CuadroTexto">
+            <a:hlinkClick r:id="rId29" action="ppaction://hlinkpres?slideindex=27&amp;slidetitle=| Obras concluidas por SECTOR |"/>
           </p:cNvPr>
           <p:cNvSpPr txBox="1"/>
           <p:nvPr/>
         </p:nvSpPr>
         <p:spPr>
           <a:xfrm>
-            <a:off x="4521638" y="3859433"/>
+            <a:off x="4514543" y="4784361"/>
             <a:ext cx="2764441" cy="400110"/>
           </a:xfrm>
           <a:prstGeom prst="rect">
@@ -12995,21 +13443,25 @@
           </a:bodyPr>
           <a:lstStyle/>
           <a:p>
-            <a:endParaRPr lang="es-MX" sz="2000" dirty="0" smtClean="0"/>
+            <a:endParaRPr lang="es-MX" sz="2000" dirty="0" smtClean="0">
+              <a:solidFill>
+                <a:prstClr val="black"/>
+              </a:solidFill>
+            </a:endParaRPr>
           </a:p>
         </p:txBody>
       </p:sp>
       <p:sp>
         <p:nvSpPr>
-          <p:cNvPr id="77" name="76 CuadroTexto">
-            <a:hlinkClick r:id="rId29" action="ppaction://hlinkpres?slideindex=27&amp;slidetitle=| Obras concluidas por SECTOR |"/>
+          <p:cNvPr id="78" name="77 CuadroTexto">
+            <a:hlinkClick r:id="rId30" action="ppaction://hlinkpres?slideindex=29&amp;slidetitle=| Obras concluidas por SECTOR |"/>
           </p:cNvPr>
           <p:cNvSpPr txBox="1"/>
           <p:nvPr/>
         </p:nvSpPr>
         <p:spPr>
           <a:xfrm>
-            <a:off x="4514543" y="4394621"/>
+            <a:off x="4528714" y="5319549"/>
             <a:ext cx="2764441" cy="400110"/>
           </a:xfrm>
           <a:prstGeom prst="rect">
@@ -13023,35 +13475,11 @@
           </a:bodyPr>
           <a:lstStyle/>
           <a:p>
-            <a:endParaRPr lang="es-MX" sz="2000" dirty="0" smtClean="0"/>
-          </a:p>
-        </p:txBody>
-      </p:sp>
-      <p:sp>
-        <p:nvSpPr>
-          <p:cNvPr id="78" name="77 CuadroTexto">
-            <a:hlinkClick r:id="rId30" action="ppaction://hlinkpres?slideindex=29&amp;slidetitle=| Obras concluidas por SECTOR |"/>
-          </p:cNvPr>
-          <p:cNvSpPr txBox="1"/>
-          <p:nvPr/>
-        </p:nvSpPr>
-        <p:spPr>
-          <a:xfrm>
-            <a:off x="4528714" y="4929809"/>
-            <a:ext cx="2764441" cy="400110"/>
-          </a:xfrm>
-          <a:prstGeom prst="rect">
-            <a:avLst/>
-          </a:prstGeom>
-          <a:noFill/>
-        </p:spPr>
-        <p:txBody>
-          <a:bodyPr wrap="square" rtlCol="0">
-            <a:spAutoFit/>
-          </a:bodyPr>
-          <a:lstStyle/>
-          <a:p>
-            <a:endParaRPr lang="es-MX" sz="2000" dirty="0" smtClean="0"/>
+            <a:endParaRPr lang="es-MX" sz="2000" dirty="0" smtClean="0">
+              <a:solidFill>
+                <a:prstClr val="black"/>
+              </a:solidFill>
+            </a:endParaRPr>
           </a:p>
         </p:txBody>
       </p:sp>
@@ -13075,7 +13503,7 @@
         </p:blipFill>
         <p:spPr>
           <a:xfrm>
-            <a:off x="7618566" y="2224494"/>
+            <a:off x="7618566" y="2699585"/>
             <a:ext cx="372110" cy="399415"/>
           </a:xfrm>
           <a:prstGeom prst="rect">
@@ -13103,7 +13531,7 @@
         </p:blipFill>
         <p:spPr>
           <a:xfrm>
-            <a:off x="7636900" y="2739111"/>
+            <a:off x="7636900" y="3274162"/>
             <a:ext cx="367665" cy="399415"/>
           </a:xfrm>
           <a:prstGeom prst="rect">
@@ -13159,7 +13587,7 @@
         </p:blipFill>
         <p:spPr>
           <a:xfrm>
-            <a:off x="7630864" y="3859433"/>
+            <a:off x="7630864" y="4259574"/>
             <a:ext cx="372110" cy="399415"/>
           </a:xfrm>
           <a:prstGeom prst="rect">
@@ -13191,17 +13619,55 @@
           </a:bodyPr>
           <a:lstStyle/>
           <a:p>
-            <a:endParaRPr lang="es-MX" dirty="0" smtClean="0"/>
+            <a:endParaRPr lang="es-MX" dirty="0" smtClean="0">
+              <a:solidFill>
+                <a:prstClr val="black"/>
+              </a:solidFill>
+            </a:endParaRPr>
           </a:p>
           <a:p>
-            <a:endParaRPr lang="es-MX" sz="800" dirty="0"/>
+            <a:endParaRPr lang="es-MX" sz="800" dirty="0">
+              <a:solidFill>
+                <a:prstClr val="black"/>
+              </a:solidFill>
+            </a:endParaRPr>
           </a:p>
         </p:txBody>
       </p:sp>
+      <p:pic>
+        <p:nvPicPr>
+          <p:cNvPr id="2" name="1 Imagen"/>
+          <p:cNvPicPr>
+            <a:picLocks noChangeAspect="1"/>
+          </p:cNvPicPr>
+          <p:nvPr/>
+        </p:nvPicPr>
+        <p:blipFill>
+          <a:blip r:embed="rId36">
+            <a:extLst>
+              <a:ext uri="{28A0092B-C50C-407E-A947-70E740481C1C}">
+                <a14:useLocalDpi xmlns:a14="http://schemas.microsoft.com/office/drawing/2010/main" val="0"/>
+              </a:ext>
+            </a:extLst>
+          </a:blip>
+          <a:stretch>
+            <a:fillRect/>
+          </a:stretch>
+        </p:blipFill>
+        <p:spPr>
+          <a:xfrm>
+            <a:off x="7605555" y="1768199"/>
+            <a:ext cx="348143" cy="348143"/>
+          </a:xfrm>
+          <a:prstGeom prst="rect">
+            <a:avLst/>
+          </a:prstGeom>
+        </p:spPr>
+      </p:pic>
     </p:spTree>
     <p:extLst>
       <p:ext uri="{BB962C8B-B14F-4D97-AF65-F5344CB8AC3E}">
-        <p14:creationId xmlns:p14="http://schemas.microsoft.com/office/powerpoint/2010/main" val="575756340"/>
+        <p14:creationId xmlns:p14="http://schemas.microsoft.com/office/powerpoint/2010/main" val="2358450547"/>
       </p:ext>
     </p:extLst>
   </p:cSld>
@@ -13243,11 +13709,7 @@
           </p:cNvGraphicFramePr>
           <p:nvPr>
             <p:ph idx="1"/>
-            <p:extLst>
-              <p:ext uri="{D42A27DB-BD31-4B8C-83A1-F6EECF244321}">
-                <p14:modId xmlns:p14="http://schemas.microsoft.com/office/powerpoint/2010/main" val="3819178749"/>
-              </p:ext>
-            </p:extLst>
+            <p:extLst/>
           </p:nvPr>
         </p:nvGraphicFramePr>
         <p:xfrm>
@@ -20050,627 +20512,42 @@
       </p:graphicFrame>
       <p:grpSp>
         <p:nvGrpSpPr>
-          <p:cNvPr id="72" name="71 Grupo"/>
+          <p:cNvPr id="25" name="24 Grupo"/>
           <p:cNvGrpSpPr/>
           <p:nvPr/>
         </p:nvGrpSpPr>
         <p:grpSpPr>
           <a:xfrm>
-            <a:off x="3992898" y="1403039"/>
-            <a:ext cx="897447" cy="5214237"/>
-            <a:chOff x="4170322" y="1403039"/>
-            <a:chExt cx="897447" cy="5214237"/>
+            <a:off x="3996455" y="1403039"/>
+            <a:ext cx="887715" cy="2931422"/>
+            <a:chOff x="3965332" y="1718848"/>
+            <a:chExt cx="987499" cy="3260928"/>
           </a:xfrm>
         </p:grpSpPr>
         <p:grpSp>
           <p:nvGrpSpPr>
-            <p:cNvPr id="25" name="24 Grupo"/>
+            <p:cNvPr id="4" name="3 Grupo"/>
             <p:cNvGrpSpPr/>
             <p:nvPr/>
           </p:nvGrpSpPr>
           <p:grpSpPr>
             <a:xfrm>
-              <a:off x="4173879" y="1403039"/>
-              <a:ext cx="887715" cy="2931699"/>
-              <a:chOff x="3965332" y="1718848"/>
-              <a:chExt cx="987499" cy="3261236"/>
-            </a:xfrm>
-          </p:grpSpPr>
-          <p:grpSp>
-            <p:nvGrpSpPr>
-              <p:cNvPr id="4" name="3 Grupo"/>
-              <p:cNvGrpSpPr/>
-              <p:nvPr/>
-            </p:nvGrpSpPr>
-            <p:grpSpPr>
-              <a:xfrm>
-                <a:off x="3965332" y="1720297"/>
-                <a:ext cx="341014" cy="3259787"/>
-                <a:chOff x="4183700" y="1733945"/>
-                <a:chExt cx="341014" cy="3259787"/>
-              </a:xfrm>
-            </p:grpSpPr>
-            <p:pic>
-              <p:nvPicPr>
-                <p:cNvPr id="6" name="3 Marcador de contenido"/>
-                <p:cNvPicPr>
-                  <a:picLocks noChangeAspect="1"/>
-                </p:cNvPicPr>
-                <p:nvPr/>
-              </p:nvPicPr>
-              <p:blipFill>
-                <a:blip r:embed="rId3" cstate="print">
-                  <a:extLst>
-                    <a:ext uri="{28A0092B-C50C-407E-A947-70E740481C1C}">
-                      <a14:useLocalDpi xmlns:a14="http://schemas.microsoft.com/office/drawing/2010/main" val="0"/>
-                    </a:ext>
-                  </a:extLst>
-                </a:blip>
-                <a:stretch>
-                  <a:fillRect/>
-                </a:stretch>
-              </p:blipFill>
-              <p:spPr>
-                <a:xfrm>
-                  <a:off x="4193572" y="1733945"/>
-                  <a:ext cx="321271" cy="321270"/>
-                </a:xfrm>
-                <a:prstGeom prst="rect">
-                  <a:avLst/>
-                </a:prstGeom>
-              </p:spPr>
-            </p:pic>
-            <p:pic>
-              <p:nvPicPr>
-                <p:cNvPr id="7" name="6 Imagen"/>
-                <p:cNvPicPr>
-                  <a:picLocks noChangeAspect="1"/>
-                </p:cNvPicPr>
-                <p:nvPr/>
-              </p:nvPicPr>
-              <p:blipFill>
-                <a:blip r:embed="rId4" cstate="print">
-                  <a:extLst>
-                    <a:ext uri="{28A0092B-C50C-407E-A947-70E740481C1C}">
-                      <a14:useLocalDpi xmlns:a14="http://schemas.microsoft.com/office/drawing/2010/main" val="0"/>
-                    </a:ext>
-                  </a:extLst>
-                </a:blip>
-                <a:stretch>
-                  <a:fillRect/>
-                </a:stretch>
-              </p:blipFill>
-              <p:spPr>
-                <a:xfrm>
-                  <a:off x="4189982" y="2097568"/>
-                  <a:ext cx="328450" cy="328450"/>
-                </a:xfrm>
-                <a:prstGeom prst="rect">
-                  <a:avLst/>
-                </a:prstGeom>
-              </p:spPr>
-            </p:pic>
-            <p:pic>
-              <p:nvPicPr>
-                <p:cNvPr id="8" name="7 Imagen"/>
-                <p:cNvPicPr>
-                  <a:picLocks noChangeAspect="1"/>
-                </p:cNvPicPr>
-                <p:nvPr/>
-              </p:nvPicPr>
-              <p:blipFill>
-                <a:blip r:embed="rId5" cstate="print">
-                  <a:extLst>
-                    <a:ext uri="{28A0092B-C50C-407E-A947-70E740481C1C}">
-                      <a14:useLocalDpi xmlns:a14="http://schemas.microsoft.com/office/drawing/2010/main" val="0"/>
-                    </a:ext>
-                  </a:extLst>
-                </a:blip>
-                <a:stretch>
-                  <a:fillRect/>
-                </a:stretch>
-              </p:blipFill>
-              <p:spPr>
-                <a:xfrm>
-                  <a:off x="4189982" y="2463267"/>
-                  <a:ext cx="328450" cy="328450"/>
-                </a:xfrm>
-                <a:prstGeom prst="rect">
-                  <a:avLst/>
-                </a:prstGeom>
-              </p:spPr>
-            </p:pic>
-            <p:pic>
-              <p:nvPicPr>
-                <p:cNvPr id="9" name="8 Imagen"/>
-                <p:cNvPicPr>
-                  <a:picLocks noChangeAspect="1"/>
-                </p:cNvPicPr>
-                <p:nvPr/>
-              </p:nvPicPr>
-              <p:blipFill>
-                <a:blip r:embed="rId6" cstate="print">
-                  <a:extLst>
-                    <a:ext uri="{28A0092B-C50C-407E-A947-70E740481C1C}">
-                      <a14:useLocalDpi xmlns:a14="http://schemas.microsoft.com/office/drawing/2010/main" val="0"/>
-                    </a:ext>
-                  </a:extLst>
-                </a:blip>
-                <a:stretch>
-                  <a:fillRect/>
-                </a:stretch>
-              </p:blipFill>
-              <p:spPr>
-                <a:xfrm>
-                  <a:off x="4188187" y="2815945"/>
-                  <a:ext cx="332040" cy="332040"/>
-                </a:xfrm>
-                <a:prstGeom prst="rect">
-                  <a:avLst/>
-                </a:prstGeom>
-              </p:spPr>
-            </p:pic>
-            <p:pic>
-              <p:nvPicPr>
-                <p:cNvPr id="10" name="9 Imagen"/>
-                <p:cNvPicPr>
-                  <a:picLocks noChangeAspect="1"/>
-                </p:cNvPicPr>
-                <p:nvPr/>
-              </p:nvPicPr>
-              <p:blipFill>
-                <a:blip r:embed="rId7" cstate="print">
-                  <a:extLst>
-                    <a:ext uri="{28A0092B-C50C-407E-A947-70E740481C1C}">
-                      <a14:useLocalDpi xmlns:a14="http://schemas.microsoft.com/office/drawing/2010/main" val="0"/>
-                    </a:ext>
-                  </a:extLst>
-                </a:blip>
-                <a:stretch>
-                  <a:fillRect/>
-                </a:stretch>
-              </p:blipFill>
-              <p:spPr>
-                <a:xfrm>
-                  <a:off x="4189982" y="3190488"/>
-                  <a:ext cx="328450" cy="328450"/>
-                </a:xfrm>
-                <a:prstGeom prst="rect">
-                  <a:avLst/>
-                </a:prstGeom>
-              </p:spPr>
-            </p:pic>
-            <p:pic>
-              <p:nvPicPr>
-                <p:cNvPr id="11" name="10 Imagen"/>
-                <p:cNvPicPr>
-                  <a:picLocks noChangeAspect="1"/>
-                </p:cNvPicPr>
-                <p:nvPr/>
-              </p:nvPicPr>
-              <p:blipFill>
-                <a:blip r:embed="rId8" cstate="print">
-                  <a:extLst>
-                    <a:ext uri="{28A0092B-C50C-407E-A947-70E740481C1C}">
-                      <a14:useLocalDpi xmlns:a14="http://schemas.microsoft.com/office/drawing/2010/main" val="0"/>
-                    </a:ext>
-                  </a:extLst>
-                </a:blip>
-                <a:stretch>
-                  <a:fillRect/>
-                </a:stretch>
-              </p:blipFill>
-              <p:spPr>
-                <a:xfrm>
-                  <a:off x="4186392" y="3531378"/>
-                  <a:ext cx="335630" cy="335629"/>
-                </a:xfrm>
-                <a:prstGeom prst="rect">
-                  <a:avLst/>
-                </a:prstGeom>
-              </p:spPr>
-            </p:pic>
-            <p:pic>
-              <p:nvPicPr>
-                <p:cNvPr id="12" name="11 Imagen"/>
-                <p:cNvPicPr>
-                  <a:picLocks noChangeAspect="1"/>
-                </p:cNvPicPr>
-                <p:nvPr/>
-              </p:nvPicPr>
-              <p:blipFill>
-                <a:blip r:embed="rId9" cstate="print">
-                  <a:extLst>
-                    <a:ext uri="{28A0092B-C50C-407E-A947-70E740481C1C}">
-                      <a14:useLocalDpi xmlns:a14="http://schemas.microsoft.com/office/drawing/2010/main" val="0"/>
-                    </a:ext>
-                  </a:extLst>
-                </a:blip>
-                <a:stretch>
-                  <a:fillRect/>
-                </a:stretch>
-              </p:blipFill>
-              <p:spPr>
-                <a:xfrm>
-                  <a:off x="4186392" y="3904254"/>
-                  <a:ext cx="335630" cy="335629"/>
-                </a:xfrm>
-                <a:prstGeom prst="rect">
-                  <a:avLst/>
-                </a:prstGeom>
-              </p:spPr>
-            </p:pic>
-            <p:pic>
-              <p:nvPicPr>
-                <p:cNvPr id="13" name="12 Imagen"/>
-                <p:cNvPicPr>
-                  <a:picLocks noChangeAspect="1"/>
-                </p:cNvPicPr>
-                <p:nvPr/>
-              </p:nvPicPr>
-              <p:blipFill>
-                <a:blip r:embed="rId10" cstate="print">
-                  <a:extLst>
-                    <a:ext uri="{28A0092B-C50C-407E-A947-70E740481C1C}">
-                      <a14:useLocalDpi xmlns:a14="http://schemas.microsoft.com/office/drawing/2010/main" val="0"/>
-                    </a:ext>
-                  </a:extLst>
-                </a:blip>
-                <a:stretch>
-                  <a:fillRect/>
-                </a:stretch>
-              </p:blipFill>
-              <p:spPr>
-                <a:xfrm>
-                  <a:off x="4186641" y="4292791"/>
-                  <a:ext cx="335132" cy="335131"/>
-                </a:xfrm>
-                <a:prstGeom prst="rect">
-                  <a:avLst/>
-                </a:prstGeom>
-              </p:spPr>
-            </p:pic>
-            <p:pic>
-              <p:nvPicPr>
-                <p:cNvPr id="14" name="13 Imagen"/>
-                <p:cNvPicPr>
-                  <a:picLocks noChangeAspect="1"/>
-                </p:cNvPicPr>
-                <p:nvPr/>
-              </p:nvPicPr>
-              <p:blipFill>
-                <a:blip r:embed="rId11" cstate="print">
-                  <a:extLst>
-                    <a:ext uri="{28A0092B-C50C-407E-A947-70E740481C1C}">
-                      <a14:useLocalDpi xmlns:a14="http://schemas.microsoft.com/office/drawing/2010/main" val="0"/>
-                    </a:ext>
-                  </a:extLst>
-                </a:blip>
-                <a:stretch>
-                  <a:fillRect/>
-                </a:stretch>
-              </p:blipFill>
-              <p:spPr>
-                <a:xfrm>
-                  <a:off x="4183700" y="4652719"/>
-                  <a:ext cx="341014" cy="341013"/>
-                </a:xfrm>
-                <a:prstGeom prst="rect">
-                  <a:avLst/>
-                </a:prstGeom>
-              </p:spPr>
-            </p:pic>
-          </p:grpSp>
-          <p:grpSp>
-            <p:nvGrpSpPr>
-              <p:cNvPr id="3" name="2 Grupo"/>
-              <p:cNvGrpSpPr/>
-              <p:nvPr/>
-            </p:nvGrpSpPr>
-            <p:grpSpPr>
-              <a:xfrm>
-                <a:off x="4608605" y="1718848"/>
-                <a:ext cx="344226" cy="3260928"/>
-                <a:chOff x="4826973" y="1732496"/>
-                <a:chExt cx="344226" cy="3260928"/>
-              </a:xfrm>
-            </p:grpSpPr>
-            <p:pic>
-              <p:nvPicPr>
-                <p:cNvPr id="16" name="15 Imagen"/>
-                <p:cNvPicPr>
-                  <a:picLocks noChangeAspect="1"/>
-                </p:cNvPicPr>
-                <p:nvPr/>
-              </p:nvPicPr>
-              <p:blipFill>
-                <a:blip r:embed="rId12" cstate="print">
-                  <a:extLst>
-                    <a:ext uri="{28A0092B-C50C-407E-A947-70E740481C1C}">
-                      <a14:useLocalDpi xmlns:a14="http://schemas.microsoft.com/office/drawing/2010/main" val="0"/>
-                    </a:ext>
-                  </a:extLst>
-                </a:blip>
-                <a:stretch>
-                  <a:fillRect/>
-                </a:stretch>
-              </p:blipFill>
-              <p:spPr>
-                <a:xfrm>
-                  <a:off x="4833066" y="1732496"/>
-                  <a:ext cx="332040" cy="332039"/>
-                </a:xfrm>
-                <a:prstGeom prst="rect">
-                  <a:avLst/>
-                </a:prstGeom>
-              </p:spPr>
-            </p:pic>
-            <p:pic>
-              <p:nvPicPr>
-                <p:cNvPr id="17" name="16 Imagen"/>
-                <p:cNvPicPr>
-                  <a:picLocks noChangeAspect="1"/>
-                </p:cNvPicPr>
-                <p:nvPr/>
-              </p:nvPicPr>
-              <p:blipFill>
-                <a:blip r:embed="rId13" cstate="print">
-                  <a:extLst>
-                    <a:ext uri="{28A0092B-C50C-407E-A947-70E740481C1C}">
-                      <a14:useLocalDpi xmlns:a14="http://schemas.microsoft.com/office/drawing/2010/main" val="0"/>
-                    </a:ext>
-                  </a:extLst>
-                </a:blip>
-                <a:stretch>
-                  <a:fillRect/>
-                </a:stretch>
-              </p:blipFill>
-              <p:spPr>
-                <a:xfrm>
-                  <a:off x="4833066" y="2086321"/>
-                  <a:ext cx="332040" cy="332039"/>
-                </a:xfrm>
-                <a:prstGeom prst="rect">
-                  <a:avLst/>
-                </a:prstGeom>
-              </p:spPr>
-            </p:pic>
-            <p:pic>
-              <p:nvPicPr>
-                <p:cNvPr id="18" name="17 Imagen"/>
-                <p:cNvPicPr>
-                  <a:picLocks noChangeAspect="1"/>
-                </p:cNvPicPr>
-                <p:nvPr/>
-              </p:nvPicPr>
-              <p:blipFill>
-                <a:blip r:embed="rId14" cstate="print">
-                  <a:extLst>
-                    <a:ext uri="{28A0092B-C50C-407E-A947-70E740481C1C}">
-                      <a14:useLocalDpi xmlns:a14="http://schemas.microsoft.com/office/drawing/2010/main" val="0"/>
-                    </a:ext>
-                  </a:extLst>
-                </a:blip>
-                <a:stretch>
-                  <a:fillRect/>
-                </a:stretch>
-              </p:blipFill>
-              <p:spPr>
-                <a:xfrm>
-                  <a:off x="4827405" y="2444160"/>
-                  <a:ext cx="343362" cy="343362"/>
-                </a:xfrm>
-                <a:prstGeom prst="rect">
-                  <a:avLst/>
-                </a:prstGeom>
-              </p:spPr>
-            </p:pic>
-            <p:pic>
-              <p:nvPicPr>
-                <p:cNvPr id="19" name="18 Imagen"/>
-                <p:cNvPicPr>
-                  <a:picLocks noChangeAspect="1"/>
-                </p:cNvPicPr>
-                <p:nvPr/>
-              </p:nvPicPr>
-              <p:blipFill>
-                <a:blip r:embed="rId15" cstate="print">
-                  <a:extLst>
-                    <a:ext uri="{28A0092B-C50C-407E-A947-70E740481C1C}">
-                      <a14:useLocalDpi xmlns:a14="http://schemas.microsoft.com/office/drawing/2010/main" val="0"/>
-                    </a:ext>
-                  </a:extLst>
-                </a:blip>
-                <a:stretch>
-                  <a:fillRect/>
-                </a:stretch>
-              </p:blipFill>
-              <p:spPr>
-                <a:xfrm>
-                  <a:off x="4842937" y="2828941"/>
-                  <a:ext cx="312298" cy="312298"/>
-                </a:xfrm>
-                <a:prstGeom prst="rect">
-                  <a:avLst/>
-                </a:prstGeom>
-              </p:spPr>
-            </p:pic>
-            <p:pic>
-              <p:nvPicPr>
-                <p:cNvPr id="20" name="19 Imagen"/>
-                <p:cNvPicPr>
-                  <a:picLocks noChangeAspect="1"/>
-                </p:cNvPicPr>
-                <p:nvPr/>
-              </p:nvPicPr>
-              <p:blipFill>
-                <a:blip r:embed="rId16" cstate="print">
-                  <a:extLst>
-                    <a:ext uri="{28A0092B-C50C-407E-A947-70E740481C1C}">
-                      <a14:useLocalDpi xmlns:a14="http://schemas.microsoft.com/office/drawing/2010/main" val="0"/>
-                    </a:ext>
-                  </a:extLst>
-                </a:blip>
-                <a:stretch>
-                  <a:fillRect/>
-                </a:stretch>
-              </p:blipFill>
-              <p:spPr>
-                <a:xfrm>
-                  <a:off x="4831271" y="3190225"/>
-                  <a:ext cx="335630" cy="335630"/>
-                </a:xfrm>
-                <a:prstGeom prst="rect">
-                  <a:avLst/>
-                </a:prstGeom>
-              </p:spPr>
-            </p:pic>
-            <p:pic>
-              <p:nvPicPr>
-                <p:cNvPr id="21" name="20 Imagen"/>
-                <p:cNvPicPr>
-                  <a:picLocks noChangeAspect="1"/>
-                </p:cNvPicPr>
-                <p:nvPr/>
-              </p:nvPicPr>
-              <p:blipFill>
-                <a:blip r:embed="rId17" cstate="print">
-                  <a:extLst>
-                    <a:ext uri="{28A0092B-C50C-407E-A947-70E740481C1C}">
-                      <a14:useLocalDpi xmlns:a14="http://schemas.microsoft.com/office/drawing/2010/main" val="0"/>
-                    </a:ext>
-                  </a:extLst>
-                </a:blip>
-                <a:stretch>
-                  <a:fillRect/>
-                </a:stretch>
-              </p:blipFill>
-              <p:spPr>
-                <a:xfrm>
-                  <a:off x="4826973" y="3537683"/>
-                  <a:ext cx="344226" cy="344226"/>
-                </a:xfrm>
-                <a:prstGeom prst="rect">
-                  <a:avLst/>
-                </a:prstGeom>
-              </p:spPr>
-            </p:pic>
-            <p:pic>
-              <p:nvPicPr>
-                <p:cNvPr id="22" name="21 Imagen"/>
-                <p:cNvPicPr>
-                  <a:picLocks noChangeAspect="1"/>
-                </p:cNvPicPr>
-                <p:nvPr/>
-              </p:nvPicPr>
-              <p:blipFill>
-                <a:blip r:embed="rId18" cstate="print">
-                  <a:extLst>
-                    <a:ext uri="{28A0092B-C50C-407E-A947-70E740481C1C}">
-                      <a14:useLocalDpi xmlns:a14="http://schemas.microsoft.com/office/drawing/2010/main" val="0"/>
-                    </a:ext>
-                  </a:extLst>
-                </a:blip>
-                <a:stretch>
-                  <a:fillRect/>
-                </a:stretch>
-              </p:blipFill>
-              <p:spPr>
-                <a:xfrm>
-                  <a:off x="4829496" y="3917394"/>
-                  <a:ext cx="339181" cy="339181"/>
-                </a:xfrm>
-                <a:prstGeom prst="rect">
-                  <a:avLst/>
-                </a:prstGeom>
-              </p:spPr>
-            </p:pic>
-            <p:pic>
-              <p:nvPicPr>
-                <p:cNvPr id="23" name="22 Imagen"/>
-                <p:cNvPicPr>
-                  <a:picLocks noChangeAspect="1"/>
-                </p:cNvPicPr>
-                <p:nvPr/>
-              </p:nvPicPr>
-              <p:blipFill>
-                <a:blip r:embed="rId19" cstate="print">
-                  <a:extLst>
-                    <a:ext uri="{28A0092B-C50C-407E-A947-70E740481C1C}">
-                      <a14:useLocalDpi xmlns:a14="http://schemas.microsoft.com/office/drawing/2010/main" val="0"/>
-                    </a:ext>
-                  </a:extLst>
-                </a:blip>
-                <a:stretch>
-                  <a:fillRect/>
-                </a:stretch>
-              </p:blipFill>
-              <p:spPr>
-                <a:xfrm>
-                  <a:off x="4829496" y="4290766"/>
-                  <a:ext cx="339181" cy="339181"/>
-                </a:xfrm>
-                <a:prstGeom prst="rect">
-                  <a:avLst/>
-                </a:prstGeom>
-              </p:spPr>
-            </p:pic>
-            <p:pic>
-              <p:nvPicPr>
-                <p:cNvPr id="24" name="23 Imagen"/>
-                <p:cNvPicPr>
-                  <a:picLocks noChangeAspect="1"/>
-                </p:cNvPicPr>
-                <p:nvPr/>
-              </p:nvPicPr>
-              <p:blipFill>
-                <a:blip r:embed="rId20" cstate="print">
-                  <a:extLst>
-                    <a:ext uri="{28A0092B-C50C-407E-A947-70E740481C1C}">
-                      <a14:useLocalDpi xmlns:a14="http://schemas.microsoft.com/office/drawing/2010/main" val="0"/>
-                    </a:ext>
-                  </a:extLst>
-                </a:blip>
-                <a:stretch>
-                  <a:fillRect/>
-                </a:stretch>
-              </p:blipFill>
-              <p:spPr>
-                <a:xfrm>
-                  <a:off x="4828904" y="4653059"/>
-                  <a:ext cx="340365" cy="340365"/>
-                </a:xfrm>
-                <a:prstGeom prst="rect">
-                  <a:avLst/>
-                </a:prstGeom>
-              </p:spPr>
-            </p:pic>
-          </p:grpSp>
-        </p:grpSp>
-        <p:grpSp>
-          <p:nvGrpSpPr>
-            <p:cNvPr id="15" name="14 Grupo"/>
-            <p:cNvGrpSpPr/>
-            <p:nvPr/>
-          </p:nvGrpSpPr>
-          <p:grpSpPr>
-            <a:xfrm>
-              <a:off x="4170322" y="4347848"/>
-              <a:ext cx="897447" cy="2269428"/>
-              <a:chOff x="4170322" y="4347848"/>
-              <a:chExt cx="897447" cy="2269428"/>
+              <a:off x="3965332" y="1720297"/>
+              <a:ext cx="341014" cy="3232947"/>
+              <a:chOff x="4183700" y="1733945"/>
+              <a:chExt cx="341014" cy="3232947"/>
             </a:xfrm>
           </p:grpSpPr>
           <p:pic>
             <p:nvPicPr>
-              <p:cNvPr id="26" name="25 Imagen"/>
+              <p:cNvPr id="6" name="3 Marcador de contenido"/>
               <p:cNvPicPr>
                 <a:picLocks noChangeAspect="1"/>
               </p:cNvPicPr>
               <p:nvPr/>
             </p:nvPicPr>
             <p:blipFill>
-              <a:blip r:embed="rId21" cstate="print">
+              <a:blip r:embed="rId3" cstate="print">
                 <a:extLst>
                   <a:ext uri="{28A0092B-C50C-407E-A947-70E740481C1C}">
                     <a14:useLocalDpi xmlns:a14="http://schemas.microsoft.com/office/drawing/2010/main" val="0"/>
@@ -20683,8 +20560,8 @@
             </p:blipFill>
             <p:spPr>
               <a:xfrm>
-                <a:off x="4190470" y="4355828"/>
-                <a:ext cx="301715" cy="301715"/>
+                <a:off x="4193572" y="1733945"/>
+                <a:ext cx="321271" cy="321270"/>
               </a:xfrm>
               <a:prstGeom prst="rect">
                 <a:avLst/>
@@ -20693,14 +20570,14 @@
           </p:pic>
           <p:pic>
             <p:nvPicPr>
-              <p:cNvPr id="27" name="26 Imagen"/>
+              <p:cNvPr id="7" name="6 Imagen"/>
               <p:cNvPicPr>
                 <a:picLocks noChangeAspect="1"/>
               </p:cNvPicPr>
               <p:nvPr/>
             </p:nvPicPr>
             <p:blipFill>
-              <a:blip r:embed="rId22" cstate="print">
+              <a:blip r:embed="rId4" cstate="print">
                 <a:extLst>
                   <a:ext uri="{28A0092B-C50C-407E-A947-70E740481C1C}">
                     <a14:useLocalDpi xmlns:a14="http://schemas.microsoft.com/office/drawing/2010/main" val="0"/>
@@ -20713,8 +20590,8 @@
             </p:blipFill>
             <p:spPr>
               <a:xfrm>
-                <a:off x="4190470" y="4666745"/>
-                <a:ext cx="301715" cy="301715"/>
+                <a:off x="4189982" y="2097568"/>
+                <a:ext cx="328450" cy="328450"/>
               </a:xfrm>
               <a:prstGeom prst="rect">
                 <a:avLst/>
@@ -20723,14 +20600,14 @@
           </p:pic>
           <p:pic>
             <p:nvPicPr>
-              <p:cNvPr id="28" name="27 Imagen"/>
+              <p:cNvPr id="8" name="7 Imagen"/>
               <p:cNvPicPr>
                 <a:picLocks noChangeAspect="1"/>
               </p:cNvPicPr>
               <p:nvPr/>
             </p:nvPicPr>
             <p:blipFill>
-              <a:blip r:embed="rId23" cstate="print">
+              <a:blip r:embed="rId5" cstate="print">
                 <a:extLst>
                   <a:ext uri="{28A0092B-C50C-407E-A947-70E740481C1C}">
                     <a14:useLocalDpi xmlns:a14="http://schemas.microsoft.com/office/drawing/2010/main" val="0"/>
@@ -20743,8 +20620,8 @@
             </p:blipFill>
             <p:spPr>
               <a:xfrm>
-                <a:off x="4190694" y="5005389"/>
-                <a:ext cx="301267" cy="301267"/>
+                <a:off x="4189982" y="2463267"/>
+                <a:ext cx="328450" cy="328450"/>
               </a:xfrm>
               <a:prstGeom prst="rect">
                 <a:avLst/>
@@ -20753,14 +20630,14 @@
           </p:pic>
           <p:pic>
             <p:nvPicPr>
-              <p:cNvPr id="29" name="28 Imagen"/>
+              <p:cNvPr id="9" name="8 Imagen"/>
               <p:cNvPicPr>
                 <a:picLocks noChangeAspect="1"/>
               </p:cNvPicPr>
               <p:nvPr/>
             </p:nvPicPr>
             <p:blipFill>
-              <a:blip r:embed="rId24" cstate="print">
+              <a:blip r:embed="rId6" cstate="print">
                 <a:extLst>
                   <a:ext uri="{28A0092B-C50C-407E-A947-70E740481C1C}">
                     <a14:useLocalDpi xmlns:a14="http://schemas.microsoft.com/office/drawing/2010/main" val="0"/>
@@ -20773,8 +20650,8 @@
             </p:blipFill>
             <p:spPr>
               <a:xfrm>
-                <a:off x="4188050" y="5328947"/>
-                <a:ext cx="306555" cy="306555"/>
+                <a:off x="4188187" y="2815945"/>
+                <a:ext cx="332040" cy="332040"/>
               </a:xfrm>
               <a:prstGeom prst="rect">
                 <a:avLst/>
@@ -20783,14 +20660,14 @@
           </p:pic>
           <p:pic>
             <p:nvPicPr>
-              <p:cNvPr id="30" name="29 Imagen"/>
+              <p:cNvPr id="10" name="9 Imagen"/>
               <p:cNvPicPr>
                 <a:picLocks noChangeAspect="1"/>
               </p:cNvPicPr>
               <p:nvPr/>
             </p:nvPicPr>
             <p:blipFill>
-              <a:blip r:embed="rId25" cstate="print">
+              <a:blip r:embed="rId7" cstate="print">
                 <a:extLst>
                   <a:ext uri="{28A0092B-C50C-407E-A947-70E740481C1C}">
                     <a14:useLocalDpi xmlns:a14="http://schemas.microsoft.com/office/drawing/2010/main" val="0"/>
@@ -20803,8 +20680,8 @@
             </p:blipFill>
             <p:spPr>
               <a:xfrm>
-                <a:off x="4758326" y="4347848"/>
-                <a:ext cx="309443" cy="309443"/>
+                <a:off x="4189982" y="3190488"/>
+                <a:ext cx="328450" cy="328450"/>
               </a:xfrm>
               <a:prstGeom prst="rect">
                 <a:avLst/>
@@ -20813,14 +20690,14 @@
           </p:pic>
           <p:pic>
             <p:nvPicPr>
-              <p:cNvPr id="31" name="30 Imagen"/>
+              <p:cNvPr id="11" name="10 Imagen"/>
               <p:cNvPicPr>
                 <a:picLocks noChangeAspect="1"/>
               </p:cNvPicPr>
               <p:nvPr/>
             </p:nvPicPr>
             <p:blipFill>
-              <a:blip r:embed="rId26" cstate="print">
+              <a:blip r:embed="rId8" cstate="print">
                 <a:extLst>
                   <a:ext uri="{28A0092B-C50C-407E-A947-70E740481C1C}">
                     <a14:useLocalDpi xmlns:a14="http://schemas.microsoft.com/office/drawing/2010/main" val="0"/>
@@ -20833,8 +20710,8 @@
             </p:blipFill>
             <p:spPr>
               <a:xfrm>
-                <a:off x="4760593" y="4678557"/>
-                <a:ext cx="304908" cy="304908"/>
+                <a:off x="4186392" y="3552569"/>
+                <a:ext cx="335630" cy="335629"/>
               </a:xfrm>
               <a:prstGeom prst="rect">
                 <a:avLst/>
@@ -20843,14 +20720,14 @@
           </p:pic>
           <p:pic>
             <p:nvPicPr>
-              <p:cNvPr id="32" name="31 Imagen"/>
+              <p:cNvPr id="12" name="11 Imagen"/>
               <p:cNvPicPr>
                 <a:picLocks noChangeAspect="1"/>
               </p:cNvPicPr>
               <p:nvPr/>
             </p:nvPicPr>
             <p:blipFill>
-              <a:blip r:embed="rId27" cstate="print">
+              <a:blip r:embed="rId9" cstate="print">
                 <a:extLst>
                   <a:ext uri="{28A0092B-C50C-407E-A947-70E740481C1C}">
                     <a14:useLocalDpi xmlns:a14="http://schemas.microsoft.com/office/drawing/2010/main" val="0"/>
@@ -20863,8 +20740,8 @@
             </p:blipFill>
             <p:spPr>
               <a:xfrm>
-                <a:off x="4760593" y="5003568"/>
-                <a:ext cx="304908" cy="304908"/>
+                <a:off x="4186392" y="4278107"/>
+                <a:ext cx="335630" cy="335629"/>
               </a:xfrm>
               <a:prstGeom prst="rect">
                 <a:avLst/>
@@ -20873,14 +20750,14 @@
           </p:pic>
           <p:pic>
             <p:nvPicPr>
-              <p:cNvPr id="33" name="32 Imagen"/>
+              <p:cNvPr id="13" name="12 Imagen"/>
               <p:cNvPicPr>
                 <a:picLocks noChangeAspect="1"/>
               </p:cNvPicPr>
               <p:nvPr/>
             </p:nvPicPr>
             <p:blipFill>
-              <a:blip r:embed="rId28" cstate="print">
+              <a:blip r:embed="rId10" cstate="print">
                 <a:extLst>
                   <a:ext uri="{28A0092B-C50C-407E-A947-70E740481C1C}">
                     <a14:useLocalDpi xmlns:a14="http://schemas.microsoft.com/office/drawing/2010/main" val="0"/>
@@ -20893,8 +20770,8 @@
             </p:blipFill>
             <p:spPr>
               <a:xfrm>
-                <a:off x="4760061" y="5329239"/>
-                <a:ext cx="305972" cy="305972"/>
+                <a:off x="4186641" y="4631761"/>
+                <a:ext cx="335132" cy="335131"/>
               </a:xfrm>
               <a:prstGeom prst="rect">
                 <a:avLst/>
@@ -20903,14 +20780,14 @@
           </p:pic>
           <p:pic>
             <p:nvPicPr>
-              <p:cNvPr id="34" name="33 Imagen"/>
+              <p:cNvPr id="14" name="13 Imagen"/>
               <p:cNvPicPr>
                 <a:picLocks noChangeAspect="1"/>
               </p:cNvPicPr>
               <p:nvPr/>
             </p:nvPicPr>
             <p:blipFill>
-              <a:blip r:embed="rId29" cstate="print">
+              <a:blip r:embed="rId11" cstate="print">
                 <a:extLst>
                   <a:ext uri="{28A0092B-C50C-407E-A947-70E740481C1C}">
                     <a14:useLocalDpi xmlns:a14="http://schemas.microsoft.com/office/drawing/2010/main" val="0"/>
@@ -20923,24 +20800,39 @@
             </p:blipFill>
             <p:spPr>
               <a:xfrm>
-                <a:off x="4172742" y="5648519"/>
-                <a:ext cx="301715" cy="301715"/>
+                <a:off x="4183700" y="3908046"/>
+                <a:ext cx="341014" cy="341013"/>
               </a:xfrm>
               <a:prstGeom prst="rect">
                 <a:avLst/>
               </a:prstGeom>
             </p:spPr>
           </p:pic>
+        </p:grpSp>
+        <p:grpSp>
+          <p:nvGrpSpPr>
+            <p:cNvPr id="3" name="2 Grupo"/>
+            <p:cNvGrpSpPr/>
+            <p:nvPr/>
+          </p:nvGrpSpPr>
+          <p:grpSpPr>
+            <a:xfrm>
+              <a:off x="4608605" y="1718848"/>
+              <a:ext cx="344226" cy="3260928"/>
+              <a:chOff x="4826973" y="1732496"/>
+              <a:chExt cx="344226" cy="3260928"/>
+            </a:xfrm>
+          </p:grpSpPr>
           <p:pic>
             <p:nvPicPr>
-              <p:cNvPr id="35" name="34 Imagen"/>
+              <p:cNvPr id="16" name="15 Imagen"/>
               <p:cNvPicPr>
                 <a:picLocks noChangeAspect="1"/>
               </p:cNvPicPr>
               <p:nvPr/>
             </p:nvPicPr>
             <p:blipFill>
-              <a:blip r:embed="rId30" cstate="print">
+              <a:blip r:embed="rId12" cstate="print">
                 <a:extLst>
                   <a:ext uri="{28A0092B-C50C-407E-A947-70E740481C1C}">
                     <a14:useLocalDpi xmlns:a14="http://schemas.microsoft.com/office/drawing/2010/main" val="0"/>
@@ -20953,8 +20845,8 @@
             </p:blipFill>
             <p:spPr>
               <a:xfrm>
-                <a:off x="4172966" y="5987163"/>
-                <a:ext cx="301267" cy="301267"/>
+                <a:off x="4833066" y="1732496"/>
+                <a:ext cx="332040" cy="332039"/>
               </a:xfrm>
               <a:prstGeom prst="rect">
                 <a:avLst/>
@@ -20963,14 +20855,14 @@
           </p:pic>
           <p:pic>
             <p:nvPicPr>
-              <p:cNvPr id="36" name="35 Imagen"/>
+              <p:cNvPr id="17" name="16 Imagen"/>
               <p:cNvPicPr>
                 <a:picLocks noChangeAspect="1"/>
               </p:cNvPicPr>
               <p:nvPr/>
             </p:nvPicPr>
             <p:blipFill>
-              <a:blip r:embed="rId31" cstate="print">
+              <a:blip r:embed="rId13" cstate="print">
                 <a:extLst>
                   <a:ext uri="{28A0092B-C50C-407E-A947-70E740481C1C}">
                     <a14:useLocalDpi xmlns:a14="http://schemas.microsoft.com/office/drawing/2010/main" val="0"/>
@@ -20983,8 +20875,8 @@
             </p:blipFill>
             <p:spPr>
               <a:xfrm>
-                <a:off x="4170322" y="6310721"/>
-                <a:ext cx="306555" cy="306555"/>
+                <a:off x="4833066" y="2086321"/>
+                <a:ext cx="332040" cy="332039"/>
               </a:xfrm>
               <a:prstGeom prst="rect">
                 <a:avLst/>
@@ -20993,14 +20885,14 @@
           </p:pic>
           <p:pic>
             <p:nvPicPr>
-              <p:cNvPr id="37" name="36 Imagen"/>
+              <p:cNvPr id="18" name="17 Imagen"/>
               <p:cNvPicPr>
                 <a:picLocks noChangeAspect="1"/>
               </p:cNvPicPr>
               <p:nvPr/>
             </p:nvPicPr>
             <p:blipFill>
-              <a:blip r:embed="rId32" cstate="print">
+              <a:blip r:embed="rId14" cstate="print">
                 <a:extLst>
                   <a:ext uri="{28A0092B-C50C-407E-A947-70E740481C1C}">
                     <a14:useLocalDpi xmlns:a14="http://schemas.microsoft.com/office/drawing/2010/main" val="0"/>
@@ -21013,8 +20905,8 @@
             </p:blipFill>
             <p:spPr>
               <a:xfrm>
-                <a:off x="4760593" y="5660331"/>
-                <a:ext cx="304908" cy="304908"/>
+                <a:off x="4827405" y="2444160"/>
+                <a:ext cx="343362" cy="343362"/>
               </a:xfrm>
               <a:prstGeom prst="rect">
                 <a:avLst/>
@@ -21023,14 +20915,14 @@
           </p:pic>
           <p:pic>
             <p:nvPicPr>
-              <p:cNvPr id="38" name="37 Imagen"/>
+              <p:cNvPr id="19" name="18 Imagen"/>
               <p:cNvPicPr>
                 <a:picLocks noChangeAspect="1"/>
               </p:cNvPicPr>
               <p:nvPr/>
             </p:nvPicPr>
             <p:blipFill>
-              <a:blip r:embed="rId33" cstate="print">
+              <a:blip r:embed="rId15" cstate="print">
                 <a:extLst>
                   <a:ext uri="{28A0092B-C50C-407E-A947-70E740481C1C}">
                     <a14:useLocalDpi xmlns:a14="http://schemas.microsoft.com/office/drawing/2010/main" val="0"/>
@@ -21043,8 +20935,8 @@
             </p:blipFill>
             <p:spPr>
               <a:xfrm>
-                <a:off x="4760593" y="5985342"/>
-                <a:ext cx="304908" cy="304908"/>
+                <a:off x="4842937" y="2828941"/>
+                <a:ext cx="312298" cy="312298"/>
               </a:xfrm>
               <a:prstGeom prst="rect">
                 <a:avLst/>
@@ -21053,14 +20945,14 @@
           </p:pic>
           <p:pic>
             <p:nvPicPr>
-              <p:cNvPr id="39" name="38 Imagen"/>
+              <p:cNvPr id="20" name="19 Imagen"/>
               <p:cNvPicPr>
                 <a:picLocks noChangeAspect="1"/>
               </p:cNvPicPr>
               <p:nvPr/>
             </p:nvPicPr>
             <p:blipFill>
-              <a:blip r:embed="rId34" cstate="print">
+              <a:blip r:embed="rId16" cstate="print">
                 <a:extLst>
                   <a:ext uri="{28A0092B-C50C-407E-A947-70E740481C1C}">
                     <a14:useLocalDpi xmlns:a14="http://schemas.microsoft.com/office/drawing/2010/main" val="0"/>
@@ -21073,8 +20965,128 @@
             </p:blipFill>
             <p:spPr>
               <a:xfrm>
-                <a:off x="4760061" y="6311013"/>
-                <a:ext cx="305972" cy="305972"/>
+                <a:off x="4831271" y="3190225"/>
+                <a:ext cx="335630" cy="335630"/>
+              </a:xfrm>
+              <a:prstGeom prst="rect">
+                <a:avLst/>
+              </a:prstGeom>
+            </p:spPr>
+          </p:pic>
+          <p:pic>
+            <p:nvPicPr>
+              <p:cNvPr id="21" name="20 Imagen"/>
+              <p:cNvPicPr>
+                <a:picLocks noChangeAspect="1"/>
+              </p:cNvPicPr>
+              <p:nvPr/>
+            </p:nvPicPr>
+            <p:blipFill>
+              <a:blip r:embed="rId17" cstate="print">
+                <a:extLst>
+                  <a:ext uri="{28A0092B-C50C-407E-A947-70E740481C1C}">
+                    <a14:useLocalDpi xmlns:a14="http://schemas.microsoft.com/office/drawing/2010/main" val="0"/>
+                  </a:ext>
+                </a:extLst>
+              </a:blip>
+              <a:stretch>
+                <a:fillRect/>
+              </a:stretch>
+            </p:blipFill>
+            <p:spPr>
+              <a:xfrm>
+                <a:off x="4826973" y="3537683"/>
+                <a:ext cx="344226" cy="344226"/>
+              </a:xfrm>
+              <a:prstGeom prst="rect">
+                <a:avLst/>
+              </a:prstGeom>
+            </p:spPr>
+          </p:pic>
+          <p:pic>
+            <p:nvPicPr>
+              <p:cNvPr id="22" name="21 Imagen"/>
+              <p:cNvPicPr>
+                <a:picLocks noChangeAspect="1"/>
+              </p:cNvPicPr>
+              <p:nvPr/>
+            </p:nvPicPr>
+            <p:blipFill>
+              <a:blip r:embed="rId18" cstate="print">
+                <a:extLst>
+                  <a:ext uri="{28A0092B-C50C-407E-A947-70E740481C1C}">
+                    <a14:useLocalDpi xmlns:a14="http://schemas.microsoft.com/office/drawing/2010/main" val="0"/>
+                  </a:ext>
+                </a:extLst>
+              </a:blip>
+              <a:stretch>
+                <a:fillRect/>
+              </a:stretch>
+            </p:blipFill>
+            <p:spPr>
+              <a:xfrm>
+                <a:off x="4829496" y="3917394"/>
+                <a:ext cx="339181" cy="339181"/>
+              </a:xfrm>
+              <a:prstGeom prst="rect">
+                <a:avLst/>
+              </a:prstGeom>
+            </p:spPr>
+          </p:pic>
+          <p:pic>
+            <p:nvPicPr>
+              <p:cNvPr id="23" name="22 Imagen"/>
+              <p:cNvPicPr>
+                <a:picLocks noChangeAspect="1"/>
+              </p:cNvPicPr>
+              <p:nvPr/>
+            </p:nvPicPr>
+            <p:blipFill>
+              <a:blip r:embed="rId19" cstate="print">
+                <a:extLst>
+                  <a:ext uri="{28A0092B-C50C-407E-A947-70E740481C1C}">
+                    <a14:useLocalDpi xmlns:a14="http://schemas.microsoft.com/office/drawing/2010/main" val="0"/>
+                  </a:ext>
+                </a:extLst>
+              </a:blip>
+              <a:stretch>
+                <a:fillRect/>
+              </a:stretch>
+            </p:blipFill>
+            <p:spPr>
+              <a:xfrm>
+                <a:off x="4829496" y="4290766"/>
+                <a:ext cx="339181" cy="339181"/>
+              </a:xfrm>
+              <a:prstGeom prst="rect">
+                <a:avLst/>
+              </a:prstGeom>
+            </p:spPr>
+          </p:pic>
+          <p:pic>
+            <p:nvPicPr>
+              <p:cNvPr id="24" name="23 Imagen"/>
+              <p:cNvPicPr>
+                <a:picLocks noChangeAspect="1"/>
+              </p:cNvPicPr>
+              <p:nvPr/>
+            </p:nvPicPr>
+            <p:blipFill>
+              <a:blip r:embed="rId20" cstate="print">
+                <a:extLst>
+                  <a:ext uri="{28A0092B-C50C-407E-A947-70E740481C1C}">
+                    <a14:useLocalDpi xmlns:a14="http://schemas.microsoft.com/office/drawing/2010/main" val="0"/>
+                  </a:ext>
+                </a:extLst>
+              </a:blip>
+              <a:stretch>
+                <a:fillRect/>
+              </a:stretch>
+            </p:blipFill>
+            <p:spPr>
+              <a:xfrm>
+                <a:off x="4828904" y="4653059"/>
+                <a:ext cx="340365" cy="340365"/>
               </a:xfrm>
               <a:prstGeom prst="rect">
                 <a:avLst/>
@@ -21083,6 +21095,441 @@
           </p:pic>
         </p:grpSp>
       </p:grpSp>
+      <p:pic>
+        <p:nvPicPr>
+          <p:cNvPr id="26" name="25 Imagen"/>
+          <p:cNvPicPr>
+            <a:picLocks noChangeAspect="1"/>
+          </p:cNvPicPr>
+          <p:nvPr/>
+        </p:nvPicPr>
+        <p:blipFill>
+          <a:blip r:embed="rId21" cstate="print">
+            <a:extLst>
+              <a:ext uri="{28A0092B-C50C-407E-A947-70E740481C1C}">
+                <a14:useLocalDpi xmlns:a14="http://schemas.microsoft.com/office/drawing/2010/main" val="0"/>
+              </a:ext>
+            </a:extLst>
+          </a:blip>
+          <a:stretch>
+            <a:fillRect/>
+          </a:stretch>
+        </p:blipFill>
+        <p:spPr>
+          <a:xfrm>
+            <a:off x="4013046" y="4355828"/>
+            <a:ext cx="301715" cy="301715"/>
+          </a:xfrm>
+          <a:prstGeom prst="rect">
+            <a:avLst/>
+          </a:prstGeom>
+        </p:spPr>
+      </p:pic>
+      <p:pic>
+        <p:nvPicPr>
+          <p:cNvPr id="30" name="29 Imagen"/>
+          <p:cNvPicPr>
+            <a:picLocks noChangeAspect="1"/>
+          </p:cNvPicPr>
+          <p:nvPr/>
+        </p:nvPicPr>
+        <p:blipFill>
+          <a:blip r:embed="rId22" cstate="print">
+            <a:extLst>
+              <a:ext uri="{28A0092B-C50C-407E-A947-70E740481C1C}">
+                <a14:useLocalDpi xmlns:a14="http://schemas.microsoft.com/office/drawing/2010/main" val="0"/>
+              </a:ext>
+            </a:extLst>
+          </a:blip>
+          <a:stretch>
+            <a:fillRect/>
+          </a:stretch>
+        </p:blipFill>
+        <p:spPr>
+          <a:xfrm>
+            <a:off x="4580902" y="4347848"/>
+            <a:ext cx="309443" cy="309443"/>
+          </a:xfrm>
+          <a:prstGeom prst="rect">
+            <a:avLst/>
+          </a:prstGeom>
+        </p:spPr>
+      </p:pic>
+      <p:pic>
+        <p:nvPicPr>
+          <p:cNvPr id="31" name="30 Imagen"/>
+          <p:cNvPicPr>
+            <a:picLocks noChangeAspect="1"/>
+          </p:cNvPicPr>
+          <p:nvPr/>
+        </p:nvPicPr>
+        <p:blipFill>
+          <a:blip r:embed="rId23" cstate="print">
+            <a:extLst>
+              <a:ext uri="{28A0092B-C50C-407E-A947-70E740481C1C}">
+                <a14:useLocalDpi xmlns:a14="http://schemas.microsoft.com/office/drawing/2010/main" val="0"/>
+              </a:ext>
+            </a:extLst>
+          </a:blip>
+          <a:stretch>
+            <a:fillRect/>
+          </a:stretch>
+        </p:blipFill>
+        <p:spPr>
+          <a:xfrm>
+            <a:off x="4583169" y="4678557"/>
+            <a:ext cx="304908" cy="304908"/>
+          </a:xfrm>
+          <a:prstGeom prst="rect">
+            <a:avLst/>
+          </a:prstGeom>
+        </p:spPr>
+      </p:pic>
+      <p:pic>
+        <p:nvPicPr>
+          <p:cNvPr id="32" name="31 Imagen"/>
+          <p:cNvPicPr>
+            <a:picLocks noChangeAspect="1"/>
+          </p:cNvPicPr>
+          <p:nvPr/>
+        </p:nvPicPr>
+        <p:blipFill>
+          <a:blip r:embed="rId24" cstate="print">
+            <a:extLst>
+              <a:ext uri="{28A0092B-C50C-407E-A947-70E740481C1C}">
+                <a14:useLocalDpi xmlns:a14="http://schemas.microsoft.com/office/drawing/2010/main" val="0"/>
+              </a:ext>
+            </a:extLst>
+          </a:blip>
+          <a:stretch>
+            <a:fillRect/>
+          </a:stretch>
+        </p:blipFill>
+        <p:spPr>
+          <a:xfrm>
+            <a:off x="4583169" y="5003568"/>
+            <a:ext cx="304908" cy="304908"/>
+          </a:xfrm>
+          <a:prstGeom prst="rect">
+            <a:avLst/>
+          </a:prstGeom>
+        </p:spPr>
+      </p:pic>
+      <p:pic>
+        <p:nvPicPr>
+          <p:cNvPr id="33" name="32 Imagen"/>
+          <p:cNvPicPr>
+            <a:picLocks noChangeAspect="1"/>
+          </p:cNvPicPr>
+          <p:nvPr/>
+        </p:nvPicPr>
+        <p:blipFill>
+          <a:blip r:embed="rId25" cstate="print">
+            <a:extLst>
+              <a:ext uri="{28A0092B-C50C-407E-A947-70E740481C1C}">
+                <a14:useLocalDpi xmlns:a14="http://schemas.microsoft.com/office/drawing/2010/main" val="0"/>
+              </a:ext>
+            </a:extLst>
+          </a:blip>
+          <a:stretch>
+            <a:fillRect/>
+          </a:stretch>
+        </p:blipFill>
+        <p:spPr>
+          <a:xfrm>
+            <a:off x="4582637" y="5329239"/>
+            <a:ext cx="305972" cy="305972"/>
+          </a:xfrm>
+          <a:prstGeom prst="rect">
+            <a:avLst/>
+          </a:prstGeom>
+        </p:spPr>
+      </p:pic>
+      <p:grpSp>
+        <p:nvGrpSpPr>
+          <p:cNvPr id="2" name="1 Grupo"/>
+          <p:cNvGrpSpPr/>
+          <p:nvPr/>
+        </p:nvGrpSpPr>
+        <p:grpSpPr>
+          <a:xfrm>
+            <a:off x="4010626" y="4673238"/>
+            <a:ext cx="306555" cy="1944038"/>
+            <a:chOff x="4010626" y="4673238"/>
+            <a:chExt cx="306555" cy="1944038"/>
+          </a:xfrm>
+        </p:grpSpPr>
+        <p:pic>
+          <p:nvPicPr>
+            <p:cNvPr id="27" name="26 Imagen"/>
+            <p:cNvPicPr>
+              <a:picLocks noChangeAspect="1"/>
+            </p:cNvPicPr>
+            <p:nvPr/>
+          </p:nvPicPr>
+          <p:blipFill>
+            <a:blip r:embed="rId26" cstate="print">
+              <a:extLst>
+                <a:ext uri="{28A0092B-C50C-407E-A947-70E740481C1C}">
+                  <a14:useLocalDpi xmlns:a14="http://schemas.microsoft.com/office/drawing/2010/main" val="0"/>
+                </a:ext>
+              </a:extLst>
+            </a:blip>
+            <a:stretch>
+              <a:fillRect/>
+            </a:stretch>
+          </p:blipFill>
+          <p:spPr>
+            <a:xfrm>
+              <a:off x="4015466" y="5985040"/>
+              <a:ext cx="301715" cy="301715"/>
+            </a:xfrm>
+            <a:prstGeom prst="rect">
+              <a:avLst/>
+            </a:prstGeom>
+          </p:spPr>
+        </p:pic>
+        <p:pic>
+          <p:nvPicPr>
+            <p:cNvPr id="28" name="27 Imagen"/>
+            <p:cNvPicPr>
+              <a:picLocks noChangeAspect="1"/>
+            </p:cNvPicPr>
+            <p:nvPr/>
+          </p:nvPicPr>
+          <p:blipFill>
+            <a:blip r:embed="rId27" cstate="print">
+              <a:extLst>
+                <a:ext uri="{28A0092B-C50C-407E-A947-70E740481C1C}">
+                  <a14:useLocalDpi xmlns:a14="http://schemas.microsoft.com/office/drawing/2010/main" val="0"/>
+                </a:ext>
+              </a:extLst>
+            </a:blip>
+            <a:stretch>
+              <a:fillRect/>
+            </a:stretch>
+          </p:blipFill>
+          <p:spPr>
+            <a:xfrm>
+              <a:off x="4015914" y="4673238"/>
+              <a:ext cx="301267" cy="301267"/>
+            </a:xfrm>
+            <a:prstGeom prst="rect">
+              <a:avLst/>
+            </a:prstGeom>
+          </p:spPr>
+        </p:pic>
+        <p:pic>
+          <p:nvPicPr>
+            <p:cNvPr id="29" name="28 Imagen"/>
+            <p:cNvPicPr>
+              <a:picLocks noChangeAspect="1"/>
+            </p:cNvPicPr>
+            <p:nvPr/>
+          </p:nvPicPr>
+          <p:blipFill>
+            <a:blip r:embed="rId28" cstate="print">
+              <a:extLst>
+                <a:ext uri="{28A0092B-C50C-407E-A947-70E740481C1C}">
+                  <a14:useLocalDpi xmlns:a14="http://schemas.microsoft.com/office/drawing/2010/main" val="0"/>
+                </a:ext>
+              </a:extLst>
+            </a:blip>
+            <a:stretch>
+              <a:fillRect/>
+            </a:stretch>
+          </p:blipFill>
+          <p:spPr>
+            <a:xfrm>
+              <a:off x="4010626" y="4996796"/>
+              <a:ext cx="306555" cy="306555"/>
+            </a:xfrm>
+            <a:prstGeom prst="rect">
+              <a:avLst/>
+            </a:prstGeom>
+          </p:spPr>
+        </p:pic>
+        <p:pic>
+          <p:nvPicPr>
+            <p:cNvPr id="34" name="33 Imagen"/>
+            <p:cNvPicPr>
+              <a:picLocks noChangeAspect="1"/>
+            </p:cNvPicPr>
+            <p:nvPr/>
+          </p:nvPicPr>
+          <p:blipFill>
+            <a:blip r:embed="rId29" cstate="print">
+              <a:extLst>
+                <a:ext uri="{28A0092B-C50C-407E-A947-70E740481C1C}">
+                  <a14:useLocalDpi xmlns:a14="http://schemas.microsoft.com/office/drawing/2010/main" val="0"/>
+                </a:ext>
+              </a:extLst>
+            </a:blip>
+            <a:stretch>
+              <a:fillRect/>
+            </a:stretch>
+          </p:blipFill>
+          <p:spPr>
+            <a:xfrm>
+              <a:off x="4015466" y="5316368"/>
+              <a:ext cx="301715" cy="301715"/>
+            </a:xfrm>
+            <a:prstGeom prst="rect">
+              <a:avLst/>
+            </a:prstGeom>
+          </p:spPr>
+        </p:pic>
+        <p:pic>
+          <p:nvPicPr>
+            <p:cNvPr id="35" name="34 Imagen"/>
+            <p:cNvPicPr>
+              <a:picLocks noChangeAspect="1"/>
+            </p:cNvPicPr>
+            <p:nvPr/>
+          </p:nvPicPr>
+          <p:blipFill>
+            <a:blip r:embed="rId30" cstate="print">
+              <a:extLst>
+                <a:ext uri="{28A0092B-C50C-407E-A947-70E740481C1C}">
+                  <a14:useLocalDpi xmlns:a14="http://schemas.microsoft.com/office/drawing/2010/main" val="0"/>
+                </a:ext>
+              </a:extLst>
+            </a:blip>
+            <a:stretch>
+              <a:fillRect/>
+            </a:stretch>
+          </p:blipFill>
+          <p:spPr>
+            <a:xfrm>
+              <a:off x="4015914" y="5655012"/>
+              <a:ext cx="301267" cy="301267"/>
+            </a:xfrm>
+            <a:prstGeom prst="rect">
+              <a:avLst/>
+            </a:prstGeom>
+          </p:spPr>
+        </p:pic>
+        <p:pic>
+          <p:nvPicPr>
+            <p:cNvPr id="36" name="35 Imagen"/>
+            <p:cNvPicPr>
+              <a:picLocks noChangeAspect="1"/>
+            </p:cNvPicPr>
+            <p:nvPr/>
+          </p:nvPicPr>
+          <p:blipFill>
+            <a:blip r:embed="rId31" cstate="print">
+              <a:extLst>
+                <a:ext uri="{28A0092B-C50C-407E-A947-70E740481C1C}">
+                  <a14:useLocalDpi xmlns:a14="http://schemas.microsoft.com/office/drawing/2010/main" val="0"/>
+                </a:ext>
+              </a:extLst>
+            </a:blip>
+            <a:stretch>
+              <a:fillRect/>
+            </a:stretch>
+          </p:blipFill>
+          <p:spPr>
+            <a:xfrm>
+              <a:off x="4010626" y="6310721"/>
+              <a:ext cx="306555" cy="306555"/>
+            </a:xfrm>
+            <a:prstGeom prst="rect">
+              <a:avLst/>
+            </a:prstGeom>
+          </p:spPr>
+        </p:pic>
+      </p:grpSp>
+      <p:pic>
+        <p:nvPicPr>
+          <p:cNvPr id="37" name="36 Imagen"/>
+          <p:cNvPicPr>
+            <a:picLocks noChangeAspect="1"/>
+          </p:cNvPicPr>
+          <p:nvPr/>
+        </p:nvPicPr>
+        <p:blipFill>
+          <a:blip r:embed="rId32" cstate="print">
+            <a:extLst>
+              <a:ext uri="{28A0092B-C50C-407E-A947-70E740481C1C}">
+                <a14:useLocalDpi xmlns:a14="http://schemas.microsoft.com/office/drawing/2010/main" val="0"/>
+              </a:ext>
+            </a:extLst>
+          </a:blip>
+          <a:stretch>
+            <a:fillRect/>
+          </a:stretch>
+        </p:blipFill>
+        <p:spPr>
+          <a:xfrm>
+            <a:off x="4583169" y="5660331"/>
+            <a:ext cx="304908" cy="304908"/>
+          </a:xfrm>
+          <a:prstGeom prst="rect">
+            <a:avLst/>
+          </a:prstGeom>
+        </p:spPr>
+      </p:pic>
+      <p:pic>
+        <p:nvPicPr>
+          <p:cNvPr id="38" name="37 Imagen"/>
+          <p:cNvPicPr>
+            <a:picLocks noChangeAspect="1"/>
+          </p:cNvPicPr>
+          <p:nvPr/>
+        </p:nvPicPr>
+        <p:blipFill>
+          <a:blip r:embed="rId33" cstate="print">
+            <a:extLst>
+              <a:ext uri="{28A0092B-C50C-407E-A947-70E740481C1C}">
+                <a14:useLocalDpi xmlns:a14="http://schemas.microsoft.com/office/drawing/2010/main" val="0"/>
+              </a:ext>
+            </a:extLst>
+          </a:blip>
+          <a:stretch>
+            <a:fillRect/>
+          </a:stretch>
+        </p:blipFill>
+        <p:spPr>
+          <a:xfrm>
+            <a:off x="4583169" y="5985342"/>
+            <a:ext cx="304908" cy="304908"/>
+          </a:xfrm>
+          <a:prstGeom prst="rect">
+            <a:avLst/>
+          </a:prstGeom>
+        </p:spPr>
+      </p:pic>
+      <p:pic>
+        <p:nvPicPr>
+          <p:cNvPr id="39" name="38 Imagen"/>
+          <p:cNvPicPr>
+            <a:picLocks noChangeAspect="1"/>
+          </p:cNvPicPr>
+          <p:nvPr/>
+        </p:nvPicPr>
+        <p:blipFill>
+          <a:blip r:embed="rId34" cstate="print">
+            <a:extLst>
+              <a:ext uri="{28A0092B-C50C-407E-A947-70E740481C1C}">
+                <a14:useLocalDpi xmlns:a14="http://schemas.microsoft.com/office/drawing/2010/main" val="0"/>
+              </a:ext>
+            </a:extLst>
+          </a:blip>
+          <a:stretch>
+            <a:fillRect/>
+          </a:stretch>
+        </p:blipFill>
+        <p:spPr>
+          <a:xfrm>
+            <a:off x="4582637" y="6311013"/>
+            <a:ext cx="305972" cy="305972"/>
+          </a:xfrm>
+          <a:prstGeom prst="rect">
+            <a:avLst/>
+          </a:prstGeom>
+        </p:spPr>
+      </p:pic>
       <p:pic>
         <p:nvPicPr>
           <p:cNvPr id="1026" name="Picture 2">
@@ -21438,7 +21885,7 @@
         </p:blipFill>
         <p:spPr bwMode="auto">
           <a:xfrm>
-            <a:off x="2740918" y="3115383"/>
+            <a:off x="2757548" y="3134149"/>
             <a:ext cx="986761" cy="108000"/>
           </a:xfrm>
           <a:prstGeom prst="rect">
@@ -21504,7 +21951,7 @@
         </p:blipFill>
         <p:spPr bwMode="auto">
           <a:xfrm>
-            <a:off x="2895876" y="3445613"/>
+            <a:off x="2912506" y="3788283"/>
             <a:ext cx="831803" cy="108000"/>
           </a:xfrm>
           <a:prstGeom prst="rect">
@@ -21570,7 +22017,7 @@
         </p:blipFill>
         <p:spPr bwMode="auto">
           <a:xfrm>
-            <a:off x="3109193" y="3788731"/>
+            <a:off x="3125823" y="4131401"/>
             <a:ext cx="618486" cy="108000"/>
           </a:xfrm>
           <a:prstGeom prst="rect">
@@ -21622,22 +22069,21 @@
           <p:nvPr/>
         </p:nvPicPr>
         <p:blipFill>
-          <a:blip r:embed="rId52" cstate="print">
+          <a:blip r:embed="rId52">
             <a:extLst>
               <a:ext uri="{28A0092B-C50C-407E-A947-70E740481C1C}">
                 <a14:useLocalDpi xmlns:a14="http://schemas.microsoft.com/office/drawing/2010/main" val="0"/>
               </a:ext>
             </a:extLst>
           </a:blip>
-          <a:srcRect/>
           <a:stretch>
             <a:fillRect/>
           </a:stretch>
         </p:blipFill>
         <p:spPr bwMode="auto">
           <a:xfrm>
-            <a:off x="2265519" y="4113865"/>
-            <a:ext cx="1462160" cy="108000"/>
+            <a:off x="2148573" y="3429368"/>
+            <a:ext cx="1601184" cy="165332"/>
           </a:xfrm>
           <a:prstGeom prst="rect">
             <a:avLst/>
@@ -21753,23 +22199,21 @@
           </p:cNvPicPr>
           <p:nvPr/>
         </p:nvPicPr>
-        <p:blipFill>
-          <a:blip r:embed="rId56" cstate="print">
+        <p:blipFill rotWithShape="1">
+          <a:blip r:embed="rId56">
             <a:extLst>
               <a:ext uri="{28A0092B-C50C-407E-A947-70E740481C1C}">
                 <a14:useLocalDpi xmlns:a14="http://schemas.microsoft.com/office/drawing/2010/main" val="0"/>
               </a:ext>
             </a:extLst>
           </a:blip>
-          <a:srcRect/>
-          <a:stretch>
-            <a:fillRect/>
-          </a:stretch>
+          <a:srcRect l="55096" t="-10327" b="-1"/>
+          <a:stretch/>
         </p:blipFill>
         <p:spPr bwMode="auto">
           <a:xfrm>
-            <a:off x="2343060" y="4738776"/>
-            <a:ext cx="1384619" cy="144000"/>
+            <a:off x="2916646" y="5998778"/>
+            <a:ext cx="811033" cy="205113"/>
           </a:xfrm>
           <a:prstGeom prst="rect">
             <a:avLst/>
@@ -21834,7 +22278,7 @@
         </p:blipFill>
         <p:spPr bwMode="auto">
           <a:xfrm>
-            <a:off x="2618097" y="5085664"/>
+            <a:off x="2642017" y="4762386"/>
             <a:ext cx="1109582" cy="108000"/>
           </a:xfrm>
           <a:prstGeom prst="rect">
@@ -21900,7 +22344,7 @@
         </p:blipFill>
         <p:spPr bwMode="auto">
           <a:xfrm>
-            <a:off x="2893258" y="5416014"/>
+            <a:off x="2917178" y="5092736"/>
             <a:ext cx="834421" cy="108000"/>
           </a:xfrm>
           <a:prstGeom prst="rect">
@@ -21966,7 +22410,7 @@
         </p:blipFill>
         <p:spPr bwMode="auto">
           <a:xfrm>
-            <a:off x="3011577" y="5743895"/>
+            <a:off x="3035497" y="5420617"/>
             <a:ext cx="716102" cy="108000"/>
           </a:xfrm>
           <a:prstGeom prst="rect">
@@ -22032,7 +22476,7 @@
         </p:blipFill>
         <p:spPr bwMode="auto">
           <a:xfrm>
-            <a:off x="3094612" y="6064202"/>
+            <a:off x="3118532" y="5740924"/>
             <a:ext cx="633067" cy="108000"/>
           </a:xfrm>
           <a:prstGeom prst="rect">
@@ -23202,11 +23646,7 @@
             <a:graphicFrameLocks/>
           </p:cNvGraphicFramePr>
           <p:nvPr>
-            <p:extLst>
-              <p:ext uri="{D42A27DB-BD31-4B8C-83A1-F6EECF244321}">
-                <p14:modId xmlns:p14="http://schemas.microsoft.com/office/powerpoint/2010/main" val="1488419603"/>
-              </p:ext>
-            </p:extLst>
+            <p:extLst/>
           </p:nvPr>
         </p:nvGraphicFramePr>
         <p:xfrm>
@@ -23847,36 +24287,8 @@
       </p:pic>
       <p:sp>
         <p:nvSpPr>
-          <p:cNvPr id="89" name="88 CuadroTexto">
-            <a:hlinkClick r:id="rId105" action="ppaction://hlinkpres?slideindex=9&amp;slidetitle=Presentación de PowerPoint"/>
-          </p:cNvPr>
-          <p:cNvSpPr txBox="1"/>
-          <p:nvPr/>
-        </p:nvSpPr>
-        <p:spPr>
-          <a:xfrm>
-            <a:off x="1428750" y="4009425"/>
-            <a:ext cx="2926531" cy="307777"/>
-          </a:xfrm>
-          <a:prstGeom prst="rect">
-            <a:avLst/>
-          </a:prstGeom>
-          <a:noFill/>
-        </p:spPr>
-        <p:txBody>
-          <a:bodyPr wrap="square" rtlCol="0">
-            <a:spAutoFit/>
-          </a:bodyPr>
-          <a:lstStyle/>
-          <a:p>
-            <a:endParaRPr lang="es-MX" sz="1400" dirty="0"/>
-          </a:p>
-        </p:txBody>
-      </p:sp>
-      <p:sp>
-        <p:nvSpPr>
           <p:cNvPr id="90" name="89 CuadroTexto">
-            <a:hlinkClick r:id="rId106" action="ppaction://hlinkpres?slideindex=10&amp;slidetitle=Presentación de PowerPoint"/>
+            <a:hlinkClick r:id="rId105" action="ppaction://hlinkpres?slideindex=10&amp;slidetitle=Presentación de PowerPoint"/>
           </p:cNvPr>
           <p:cNvSpPr txBox="1"/>
           <p:nvPr/>
@@ -23897,22 +24309,26 @@
           </a:bodyPr>
           <a:lstStyle/>
           <a:p>
-            <a:endParaRPr lang="es-MX" sz="1400" dirty="0"/>
+            <a:endParaRPr lang="es-MX" sz="1400" dirty="0">
+              <a:solidFill>
+                <a:prstClr val="black"/>
+              </a:solidFill>
+            </a:endParaRPr>
           </a:p>
         </p:txBody>
       </p:sp>
       <p:sp>
         <p:nvSpPr>
-          <p:cNvPr id="91" name="90 CuadroTexto">
-            <a:hlinkClick r:id="rId107" action="ppaction://hlinkpres?slideindex=11&amp;slidetitle=Presentación de PowerPoint"/>
+          <p:cNvPr id="92" name="91 CuadroTexto">
+            <a:hlinkClick r:id="rId106" action="ppaction://hlinkpres?slideindex=12&amp;slidetitle=Presentación de PowerPoint"/>
           </p:cNvPr>
           <p:cNvSpPr txBox="1"/>
           <p:nvPr/>
         </p:nvSpPr>
         <p:spPr>
           <a:xfrm>
-            <a:off x="1438275" y="4657125"/>
-            <a:ext cx="2926531" cy="307777"/>
+            <a:off x="2396742" y="4657697"/>
+            <a:ext cx="1925245" cy="307777"/>
           </a:xfrm>
           <a:prstGeom prst="rect">
             <a:avLst/>
@@ -23925,22 +24341,26 @@
           </a:bodyPr>
           <a:lstStyle/>
           <a:p>
-            <a:endParaRPr lang="es-MX" sz="1400" dirty="0"/>
+            <a:endParaRPr lang="es-MX" sz="1400" dirty="0">
+              <a:solidFill>
+                <a:prstClr val="black"/>
+              </a:solidFill>
+            </a:endParaRPr>
           </a:p>
         </p:txBody>
       </p:sp>
       <p:sp>
         <p:nvSpPr>
-          <p:cNvPr id="92" name="91 CuadroTexto">
-            <a:hlinkClick r:id="rId108" action="ppaction://hlinkpres?slideindex=12&amp;slidetitle=Presentación de PowerPoint"/>
+          <p:cNvPr id="93" name="92 CuadroTexto">
+            <a:hlinkClick r:id="rId107" action="ppaction://hlinkpres?slideindex=13&amp;slidetitle=Presentación de PowerPoint"/>
           </p:cNvPr>
           <p:cNvSpPr txBox="1"/>
           <p:nvPr/>
         </p:nvSpPr>
         <p:spPr>
           <a:xfrm>
-            <a:off x="1485900" y="4980975"/>
-            <a:ext cx="2926531" cy="307777"/>
+            <a:off x="2428734" y="5019647"/>
+            <a:ext cx="1893253" cy="307777"/>
           </a:xfrm>
           <a:prstGeom prst="rect">
             <a:avLst/>
@@ -23953,22 +24373,26 @@
           </a:bodyPr>
           <a:lstStyle/>
           <a:p>
-            <a:endParaRPr lang="es-MX" sz="1400" dirty="0"/>
+            <a:endParaRPr lang="es-MX" sz="1400" dirty="0">
+              <a:solidFill>
+                <a:prstClr val="black"/>
+              </a:solidFill>
+            </a:endParaRPr>
           </a:p>
         </p:txBody>
       </p:sp>
       <p:sp>
         <p:nvSpPr>
-          <p:cNvPr id="93" name="92 CuadroTexto">
-            <a:hlinkClick r:id="rId109" action="ppaction://hlinkpres?slideindex=13&amp;slidetitle=Presentación de PowerPoint"/>
+          <p:cNvPr id="94" name="93 CuadroTexto">
+            <a:hlinkClick r:id="rId108" action="ppaction://hlinkpres?slideindex=14&amp;slidetitle=Presentación de PowerPoint"/>
           </p:cNvPr>
           <p:cNvSpPr txBox="1"/>
           <p:nvPr/>
         </p:nvSpPr>
         <p:spPr>
           <a:xfrm>
-            <a:off x="1476375" y="5342925"/>
-            <a:ext cx="2926531" cy="307777"/>
+            <a:off x="2291967" y="5353022"/>
+            <a:ext cx="2030020" cy="307777"/>
           </a:xfrm>
           <a:prstGeom prst="rect">
             <a:avLst/>
@@ -23981,22 +24405,26 @@
           </a:bodyPr>
           <a:lstStyle/>
           <a:p>
-            <a:endParaRPr lang="es-MX" sz="1400" dirty="0"/>
+            <a:endParaRPr lang="es-MX" sz="1400" dirty="0">
+              <a:solidFill>
+                <a:prstClr val="black"/>
+              </a:solidFill>
+            </a:endParaRPr>
           </a:p>
         </p:txBody>
       </p:sp>
       <p:sp>
         <p:nvSpPr>
-          <p:cNvPr id="94" name="93 CuadroTexto">
-            <a:hlinkClick r:id="rId110" action="ppaction://hlinkpres?slideindex=14&amp;slidetitle=Presentación de PowerPoint"/>
+          <p:cNvPr id="95" name="94 CuadroTexto">
+            <a:hlinkClick r:id="rId109" action="ppaction://hlinkpres?slideindex=15&amp;slidetitle=Presentación de PowerPoint"/>
           </p:cNvPr>
           <p:cNvSpPr txBox="1"/>
           <p:nvPr/>
         </p:nvSpPr>
         <p:spPr>
           <a:xfrm>
-            <a:off x="1381125" y="5676300"/>
-            <a:ext cx="2926531" cy="307777"/>
+            <a:off x="2306146" y="5657822"/>
+            <a:ext cx="2015841" cy="307777"/>
           </a:xfrm>
           <a:prstGeom prst="rect">
             <a:avLst/>
@@ -24009,22 +24437,26 @@
           </a:bodyPr>
           <a:lstStyle/>
           <a:p>
-            <a:endParaRPr lang="es-MX" sz="1400" dirty="0"/>
+            <a:endParaRPr lang="es-MX" sz="1400" dirty="0">
+              <a:solidFill>
+                <a:prstClr val="black"/>
+              </a:solidFill>
+            </a:endParaRPr>
           </a:p>
         </p:txBody>
       </p:sp>
       <p:sp>
         <p:nvSpPr>
-          <p:cNvPr id="95" name="94 CuadroTexto">
-            <a:hlinkClick r:id="rId111" action="ppaction://hlinkpres?slideindex=15&amp;slidetitle=Presentación de PowerPoint"/>
+          <p:cNvPr id="96" name="95 CuadroTexto">
+            <a:hlinkClick r:id="rId110" action="ppaction://hlinkpres?slideindex=16&amp;slidetitle=Presentación de PowerPoint"/>
           </p:cNvPr>
           <p:cNvSpPr txBox="1"/>
           <p:nvPr/>
         </p:nvSpPr>
         <p:spPr>
           <a:xfrm>
-            <a:off x="1419225" y="5981100"/>
-            <a:ext cx="2926531" cy="307777"/>
+            <a:off x="1983489" y="6314475"/>
+            <a:ext cx="2313324" cy="307777"/>
           </a:xfrm>
           <a:prstGeom prst="rect">
             <a:avLst/>
@@ -24037,42 +24469,18 @@
           </a:bodyPr>
           <a:lstStyle/>
           <a:p>
-            <a:endParaRPr lang="es-MX" sz="1400" dirty="0"/>
-          </a:p>
-        </p:txBody>
-      </p:sp>
-      <p:sp>
-        <p:nvSpPr>
-          <p:cNvPr id="96" name="95 CuadroTexto">
-            <a:hlinkClick r:id="rId112" action="ppaction://hlinkpres?slideindex=16&amp;slidetitle=Presentación de PowerPoint"/>
-          </p:cNvPr>
-          <p:cNvSpPr txBox="1"/>
-          <p:nvPr/>
-        </p:nvSpPr>
-        <p:spPr>
-          <a:xfrm>
-            <a:off x="1438275" y="6314475"/>
-            <a:ext cx="2926531" cy="307777"/>
-          </a:xfrm>
-          <a:prstGeom prst="rect">
-            <a:avLst/>
-          </a:prstGeom>
-          <a:noFill/>
-        </p:spPr>
-        <p:txBody>
-          <a:bodyPr wrap="square" rtlCol="0">
-            <a:spAutoFit/>
-          </a:bodyPr>
-          <a:lstStyle/>
-          <a:p>
-            <a:endParaRPr lang="es-MX" sz="1400" dirty="0"/>
+            <a:endParaRPr lang="es-MX" sz="1400" dirty="0">
+              <a:solidFill>
+                <a:prstClr val="black"/>
+              </a:solidFill>
+            </a:endParaRPr>
           </a:p>
         </p:txBody>
       </p:sp>
       <p:sp>
         <p:nvSpPr>
           <p:cNvPr id="97" name="96 CuadroTexto">
-            <a:hlinkClick r:id="rId113" action="ppaction://hlinkpres?slideindex=32&amp;slidetitle=Presentación de PowerPoint"/>
+            <a:hlinkClick r:id="rId111" action="ppaction://hlinkpres?slideindex=32&amp;slidetitle=Presentación de PowerPoint"/>
           </p:cNvPr>
           <p:cNvSpPr txBox="1"/>
           <p:nvPr/>
@@ -24093,14 +24501,18 @@
           </a:bodyPr>
           <a:lstStyle/>
           <a:p>
-            <a:endParaRPr lang="es-MX" sz="1400" dirty="0"/>
+            <a:endParaRPr lang="es-MX" sz="1400" dirty="0">
+              <a:solidFill>
+                <a:prstClr val="black"/>
+              </a:solidFill>
+            </a:endParaRPr>
           </a:p>
         </p:txBody>
       </p:sp>
       <p:sp>
         <p:nvSpPr>
           <p:cNvPr id="98" name="97 CuadroTexto">
-            <a:hlinkClick r:id="rId114" action="ppaction://hlinkpres?slideindex=31&amp;slidetitle=Presentación de PowerPoint"/>
+            <a:hlinkClick r:id="rId112" action="ppaction://hlinkpres?slideindex=31&amp;slidetitle=Presentación de PowerPoint"/>
           </p:cNvPr>
           <p:cNvSpPr txBox="1"/>
           <p:nvPr/>
@@ -24121,14 +24533,18 @@
           </a:bodyPr>
           <a:lstStyle/>
           <a:p>
-            <a:endParaRPr lang="es-MX" sz="1400" dirty="0"/>
+            <a:endParaRPr lang="es-MX" sz="1400" dirty="0">
+              <a:solidFill>
+                <a:prstClr val="black"/>
+              </a:solidFill>
+            </a:endParaRPr>
           </a:p>
         </p:txBody>
       </p:sp>
       <p:sp>
         <p:nvSpPr>
           <p:cNvPr id="99" name="98 CuadroTexto">
-            <a:hlinkClick r:id="rId115" action="ppaction://hlinkpres?slideindex=30&amp;slidetitle=Presentación de PowerPoint"/>
+            <a:hlinkClick r:id="rId113" action="ppaction://hlinkpres?slideindex=30&amp;slidetitle=Presentación de PowerPoint"/>
           </p:cNvPr>
           <p:cNvSpPr txBox="1"/>
           <p:nvPr/>
@@ -24149,14 +24565,18 @@
           </a:bodyPr>
           <a:lstStyle/>
           <a:p>
-            <a:endParaRPr lang="es-MX" sz="1400" dirty="0"/>
+            <a:endParaRPr lang="es-MX" sz="1400" dirty="0">
+              <a:solidFill>
+                <a:prstClr val="black"/>
+              </a:solidFill>
+            </a:endParaRPr>
           </a:p>
         </p:txBody>
       </p:sp>
       <p:sp>
         <p:nvSpPr>
           <p:cNvPr id="100" name="99 CuadroTexto">
-            <a:hlinkClick r:id="rId116" action="ppaction://hlinkpres?slideindex=29&amp;slidetitle=Presentación de PowerPoint"/>
+            <a:hlinkClick r:id="rId114" action="ppaction://hlinkpres?slideindex=29&amp;slidetitle=Presentación de PowerPoint"/>
           </p:cNvPr>
           <p:cNvSpPr txBox="1"/>
           <p:nvPr/>
@@ -24177,14 +24597,18 @@
           </a:bodyPr>
           <a:lstStyle/>
           <a:p>
-            <a:endParaRPr lang="es-MX" sz="1400" dirty="0"/>
+            <a:endParaRPr lang="es-MX" sz="1400" dirty="0">
+              <a:solidFill>
+                <a:prstClr val="black"/>
+              </a:solidFill>
+            </a:endParaRPr>
           </a:p>
         </p:txBody>
       </p:sp>
       <p:sp>
         <p:nvSpPr>
           <p:cNvPr id="101" name="100 CuadroTexto">
-            <a:hlinkClick r:id="rId117" action="ppaction://hlinkpres?slideindex=28&amp;slidetitle=Presentación de PowerPoint"/>
+            <a:hlinkClick r:id="rId115" action="ppaction://hlinkpres?slideindex=28&amp;slidetitle=Presentación de PowerPoint"/>
           </p:cNvPr>
           <p:cNvSpPr txBox="1"/>
           <p:nvPr/>
@@ -24205,7 +24629,11 @@
           </a:bodyPr>
           <a:lstStyle/>
           <a:p>
-            <a:endParaRPr lang="es-MX" sz="1400" dirty="0"/>
+            <a:endParaRPr lang="es-MX" sz="1400" dirty="0">
+              <a:solidFill>
+                <a:prstClr val="black"/>
+              </a:solidFill>
+            </a:endParaRPr>
           </a:p>
         </p:txBody>
       </p:sp>
@@ -24231,14 +24659,18 @@
           </a:bodyPr>
           <a:lstStyle/>
           <a:p>
-            <a:endParaRPr lang="es-MX" sz="1400" dirty="0"/>
+            <a:endParaRPr lang="es-MX" sz="1400" dirty="0">
+              <a:solidFill>
+                <a:prstClr val="black"/>
+              </a:solidFill>
+            </a:endParaRPr>
           </a:p>
         </p:txBody>
       </p:sp>
       <p:sp>
         <p:nvSpPr>
           <p:cNvPr id="103" name="102 CuadroTexto">
-            <a:hlinkClick r:id="rId118" action="ppaction://hlinkpres?slideindex=27&amp;slidetitle=Presentación de PowerPoint"/>
+            <a:hlinkClick r:id="rId116" action="ppaction://hlinkpres?slideindex=27&amp;slidetitle=Presentación de PowerPoint"/>
           </p:cNvPr>
           <p:cNvSpPr txBox="1"/>
           <p:nvPr/>
@@ -24259,14 +24691,18 @@
           </a:bodyPr>
           <a:lstStyle/>
           <a:p>
-            <a:endParaRPr lang="es-MX" sz="1400" dirty="0"/>
+            <a:endParaRPr lang="es-MX" sz="1400" dirty="0">
+              <a:solidFill>
+                <a:prstClr val="black"/>
+              </a:solidFill>
+            </a:endParaRPr>
           </a:p>
         </p:txBody>
       </p:sp>
       <p:sp>
         <p:nvSpPr>
           <p:cNvPr id="104" name="103 CuadroTexto">
-            <a:hlinkClick r:id="rId119" action="ppaction://hlinkpres?slideindex=26&amp;slidetitle=Presentación de PowerPoint"/>
+            <a:hlinkClick r:id="rId117" action="ppaction://hlinkpres?slideindex=26&amp;slidetitle=Presentación de PowerPoint"/>
           </p:cNvPr>
           <p:cNvSpPr txBox="1"/>
           <p:nvPr/>
@@ -24287,14 +24723,18 @@
           </a:bodyPr>
           <a:lstStyle/>
           <a:p>
-            <a:endParaRPr lang="es-MX" sz="1400" dirty="0"/>
+            <a:endParaRPr lang="es-MX" sz="1400" dirty="0">
+              <a:solidFill>
+                <a:prstClr val="black"/>
+              </a:solidFill>
+            </a:endParaRPr>
           </a:p>
         </p:txBody>
       </p:sp>
       <p:sp>
         <p:nvSpPr>
           <p:cNvPr id="105" name="104 CuadroTexto">
-            <a:hlinkClick r:id="rId120" action="ppaction://hlinkpres?slideindex=25&amp;slidetitle=Presentación de PowerPoint"/>
+            <a:hlinkClick r:id="rId118" action="ppaction://hlinkpres?slideindex=25&amp;slidetitle=Presentación de PowerPoint"/>
           </p:cNvPr>
           <p:cNvSpPr txBox="1"/>
           <p:nvPr/>
@@ -24315,14 +24755,18 @@
           </a:bodyPr>
           <a:lstStyle/>
           <a:p>
-            <a:endParaRPr lang="es-MX" sz="1400" dirty="0"/>
+            <a:endParaRPr lang="es-MX" sz="1400" dirty="0">
+              <a:solidFill>
+                <a:prstClr val="black"/>
+              </a:solidFill>
+            </a:endParaRPr>
           </a:p>
         </p:txBody>
       </p:sp>
       <p:sp>
         <p:nvSpPr>
           <p:cNvPr id="106" name="105 CuadroTexto">
-            <a:hlinkClick r:id="rId121" action="ppaction://hlinkpres?slideindex=24&amp;slidetitle=Presentación de PowerPoint"/>
+            <a:hlinkClick r:id="rId119" action="ppaction://hlinkpres?slideindex=24&amp;slidetitle=Presentación de PowerPoint"/>
           </p:cNvPr>
           <p:cNvSpPr txBox="1"/>
           <p:nvPr/>
@@ -24343,14 +24787,18 @@
           </a:bodyPr>
           <a:lstStyle/>
           <a:p>
-            <a:endParaRPr lang="es-MX" sz="1400" dirty="0"/>
+            <a:endParaRPr lang="es-MX" sz="1400" dirty="0">
+              <a:solidFill>
+                <a:prstClr val="black"/>
+              </a:solidFill>
+            </a:endParaRPr>
           </a:p>
         </p:txBody>
       </p:sp>
       <p:sp>
         <p:nvSpPr>
           <p:cNvPr id="108" name="107 CuadroTexto">
-            <a:hlinkClick r:id="rId122" action="ppaction://hlinkpres?slideindex=22&amp;slidetitle=Presentación de PowerPoint"/>
+            <a:hlinkClick r:id="rId120" action="ppaction://hlinkpres?slideindex=22&amp;slidetitle=Presentación de PowerPoint"/>
           </p:cNvPr>
           <p:cNvSpPr txBox="1"/>
           <p:nvPr/>
@@ -24371,14 +24819,18 @@
           </a:bodyPr>
           <a:lstStyle/>
           <a:p>
-            <a:endParaRPr lang="es-MX" sz="1400" dirty="0"/>
+            <a:endParaRPr lang="es-MX" sz="1400" dirty="0">
+              <a:solidFill>
+                <a:prstClr val="black"/>
+              </a:solidFill>
+            </a:endParaRPr>
           </a:p>
         </p:txBody>
       </p:sp>
       <p:sp>
         <p:nvSpPr>
           <p:cNvPr id="109" name="108 CuadroTexto">
-            <a:hlinkClick r:id="rId123" action="ppaction://hlinkpres?slideindex=21&amp;slidetitle=Presentación de PowerPoint"/>
+            <a:hlinkClick r:id="rId121" action="ppaction://hlinkpres?slideindex=21&amp;slidetitle=Presentación de PowerPoint"/>
           </p:cNvPr>
           <p:cNvSpPr txBox="1"/>
           <p:nvPr/>
@@ -24399,14 +24851,18 @@
           </a:bodyPr>
           <a:lstStyle/>
           <a:p>
-            <a:endParaRPr lang="es-MX" sz="1400" dirty="0"/>
+            <a:endParaRPr lang="es-MX" sz="1400" dirty="0">
+              <a:solidFill>
+                <a:prstClr val="black"/>
+              </a:solidFill>
+            </a:endParaRPr>
           </a:p>
         </p:txBody>
       </p:sp>
       <p:sp>
         <p:nvSpPr>
           <p:cNvPr id="110" name="109 CuadroTexto">
-            <a:hlinkClick r:id="rId124" action="ppaction://hlinkpres?slideindex=20&amp;slidetitle=Presentación de PowerPoint"/>
+            <a:hlinkClick r:id="rId122" action="ppaction://hlinkpres?slideindex=20&amp;slidetitle=Presentación de PowerPoint"/>
           </p:cNvPr>
           <p:cNvSpPr txBox="1"/>
           <p:nvPr/>
@@ -24427,14 +24883,18 @@
           </a:bodyPr>
           <a:lstStyle/>
           <a:p>
-            <a:endParaRPr lang="es-MX" sz="1400" dirty="0"/>
+            <a:endParaRPr lang="es-MX" sz="1400" dirty="0">
+              <a:solidFill>
+                <a:prstClr val="black"/>
+              </a:solidFill>
+            </a:endParaRPr>
           </a:p>
         </p:txBody>
       </p:sp>
       <p:sp>
         <p:nvSpPr>
           <p:cNvPr id="111" name="110 CuadroTexto">
-            <a:hlinkClick r:id="rId125" action="ppaction://hlinkpres?slideindex=19&amp;slidetitle=Presentación de PowerPoint"/>
+            <a:hlinkClick r:id="rId123" action="ppaction://hlinkpres?slideindex=19&amp;slidetitle=Presentación de PowerPoint"/>
           </p:cNvPr>
           <p:cNvSpPr txBox="1"/>
           <p:nvPr/>
@@ -24455,14 +24915,18 @@
           </a:bodyPr>
           <a:lstStyle/>
           <a:p>
-            <a:endParaRPr lang="es-MX" sz="1400" dirty="0"/>
+            <a:endParaRPr lang="es-MX" sz="1400" dirty="0">
+              <a:solidFill>
+                <a:prstClr val="black"/>
+              </a:solidFill>
+            </a:endParaRPr>
           </a:p>
         </p:txBody>
       </p:sp>
       <p:sp>
         <p:nvSpPr>
           <p:cNvPr id="112" name="111 CuadroTexto">
-            <a:hlinkClick r:id="rId126" action="ppaction://hlinkpres?slideindex=18&amp;slidetitle=Presentación de PowerPoint"/>
+            <a:hlinkClick r:id="rId124" action="ppaction://hlinkpres?slideindex=18&amp;slidetitle=Presentación de PowerPoint"/>
           </p:cNvPr>
           <p:cNvSpPr txBox="1"/>
           <p:nvPr/>
@@ -24483,14 +24947,18 @@
           </a:bodyPr>
           <a:lstStyle/>
           <a:p>
-            <a:endParaRPr lang="es-MX" sz="1400" dirty="0"/>
+            <a:endParaRPr lang="es-MX" sz="1400" dirty="0">
+              <a:solidFill>
+                <a:prstClr val="black"/>
+              </a:solidFill>
+            </a:endParaRPr>
           </a:p>
         </p:txBody>
       </p:sp>
       <p:sp>
         <p:nvSpPr>
           <p:cNvPr id="113" name="112 CuadroTexto">
-            <a:hlinkClick r:id="rId127" action="ppaction://hlinkpres?slideindex=17&amp;slidetitle=Presentación de PowerPoint"/>
+            <a:hlinkClick r:id="rId125" action="ppaction://hlinkpres?slideindex=17&amp;slidetitle=Presentación de PowerPoint"/>
           </p:cNvPr>
           <p:cNvSpPr txBox="1"/>
           <p:nvPr/>
@@ -24511,14 +24979,18 @@
           </a:bodyPr>
           <a:lstStyle/>
           <a:p>
-            <a:endParaRPr lang="es-MX" sz="1400" dirty="0"/>
+            <a:endParaRPr lang="es-MX" sz="1400" dirty="0">
+              <a:solidFill>
+                <a:prstClr val="black"/>
+              </a:solidFill>
+            </a:endParaRPr>
           </a:p>
         </p:txBody>
       </p:sp>
       <p:sp>
         <p:nvSpPr>
           <p:cNvPr id="48" name="47 CuadroTexto">
-            <a:hlinkClick r:id="rId128" action="ppaction://hlinkpres?slideindex=1&amp;slidetitle="/>
+            <a:hlinkClick r:id="rId126" action="ppaction://hlinkpres?slideindex=1&amp;slidetitle="/>
           </p:cNvPr>
           <p:cNvSpPr txBox="1"/>
           <p:nvPr/>
@@ -24539,17 +25011,25 @@
           </a:bodyPr>
           <a:lstStyle/>
           <a:p>
-            <a:endParaRPr lang="es-MX" dirty="0" smtClean="0"/>
+            <a:endParaRPr lang="es-MX" dirty="0" smtClean="0">
+              <a:solidFill>
+                <a:prstClr val="black"/>
+              </a:solidFill>
+            </a:endParaRPr>
           </a:p>
           <a:p>
-            <a:endParaRPr lang="es-MX" sz="700" dirty="0"/>
+            <a:endParaRPr lang="es-MX" sz="700" dirty="0">
+              <a:solidFill>
+                <a:prstClr val="black"/>
+              </a:solidFill>
+            </a:endParaRPr>
           </a:p>
         </p:txBody>
       </p:sp>
       <p:sp>
         <p:nvSpPr>
           <p:cNvPr id="49" name="48 CuadroTexto">
-            <a:hlinkClick r:id="rId129" action="ppaction://hlinkpres?slideindex=1&amp;slidetitle=Presentación de PowerPoint"/>
+            <a:hlinkClick r:id="rId127" action="ppaction://hlinkpres?slideindex=1&amp;slidetitle=Presentación de PowerPoint"/>
           </p:cNvPr>
           <p:cNvSpPr txBox="1"/>
           <p:nvPr/>
@@ -24570,14 +25050,18 @@
           </a:bodyPr>
           <a:lstStyle/>
           <a:p>
-            <a:endParaRPr lang="es-MX" sz="1400" dirty="0"/>
+            <a:endParaRPr lang="es-MX" sz="1400" dirty="0">
+              <a:solidFill>
+                <a:prstClr val="black"/>
+              </a:solidFill>
+            </a:endParaRPr>
           </a:p>
         </p:txBody>
       </p:sp>
       <p:sp>
         <p:nvSpPr>
           <p:cNvPr id="117" name="116 CuadroTexto">
-            <a:hlinkClick r:id="rId130" action="ppaction://hlinkpres?slideindex=2&amp;slidetitle=Presentación de PowerPoint"/>
+            <a:hlinkClick r:id="rId128" action="ppaction://hlinkpres?slideindex=2&amp;slidetitle=Presentación de PowerPoint"/>
           </p:cNvPr>
           <p:cNvSpPr txBox="1"/>
           <p:nvPr/>
@@ -24598,14 +25082,18 @@
           </a:bodyPr>
           <a:lstStyle/>
           <a:p>
-            <a:endParaRPr lang="es-MX" sz="1400" dirty="0"/>
+            <a:endParaRPr lang="es-MX" sz="1400" dirty="0">
+              <a:solidFill>
+                <a:prstClr val="black"/>
+              </a:solidFill>
+            </a:endParaRPr>
           </a:p>
         </p:txBody>
       </p:sp>
       <p:sp>
         <p:nvSpPr>
           <p:cNvPr id="118" name="117 CuadroTexto">
-            <a:hlinkClick r:id="rId131" action="ppaction://hlinkpres?slideindex=3&amp;slidetitle=Presentación de PowerPoint"/>
+            <a:hlinkClick r:id="rId129" action="ppaction://hlinkpres?slideindex=3&amp;slidetitle=Presentación de PowerPoint"/>
           </p:cNvPr>
           <p:cNvSpPr txBox="1"/>
           <p:nvPr/>
@@ -24626,14 +25114,18 @@
           </a:bodyPr>
           <a:lstStyle/>
           <a:p>
-            <a:endParaRPr lang="es-MX" sz="1400" dirty="0"/>
+            <a:endParaRPr lang="es-MX" sz="1400" dirty="0">
+              <a:solidFill>
+                <a:prstClr val="black"/>
+              </a:solidFill>
+            </a:endParaRPr>
           </a:p>
         </p:txBody>
       </p:sp>
       <p:sp>
         <p:nvSpPr>
           <p:cNvPr id="119" name="118 CuadroTexto">
-            <a:hlinkClick r:id="rId132" action="ppaction://hlinkpres?slideindex=4&amp;slidetitle=Presentación de PowerPoint"/>
+            <a:hlinkClick r:id="rId130" action="ppaction://hlinkpres?slideindex=4&amp;slidetitle=Presentación de PowerPoint"/>
           </p:cNvPr>
           <p:cNvSpPr txBox="1"/>
           <p:nvPr/>
@@ -24654,14 +25146,18 @@
           </a:bodyPr>
           <a:lstStyle/>
           <a:p>
-            <a:endParaRPr lang="es-MX" sz="1400" dirty="0"/>
+            <a:endParaRPr lang="es-MX" sz="1400" dirty="0">
+              <a:solidFill>
+                <a:prstClr val="black"/>
+              </a:solidFill>
+            </a:endParaRPr>
           </a:p>
         </p:txBody>
       </p:sp>
       <p:sp>
         <p:nvSpPr>
           <p:cNvPr id="120" name="119 CuadroTexto">
-            <a:hlinkClick r:id="rId133" action="ppaction://hlinkpres?slideindex=5&amp;slidetitle=Presentación de PowerPoint"/>
+            <a:hlinkClick r:id="rId131" action="ppaction://hlinkpres?slideindex=5&amp;slidetitle=Presentación de PowerPoint"/>
           </p:cNvPr>
           <p:cNvSpPr txBox="1"/>
           <p:nvPr/>
@@ -24682,21 +25178,89 @@
           </a:bodyPr>
           <a:lstStyle/>
           <a:p>
-            <a:endParaRPr lang="es-MX" sz="1400" dirty="0"/>
+            <a:endParaRPr lang="es-MX" sz="1400" dirty="0">
+              <a:solidFill>
+                <a:prstClr val="black"/>
+              </a:solidFill>
+            </a:endParaRPr>
           </a:p>
         </p:txBody>
       </p:sp>
       <p:sp>
         <p:nvSpPr>
           <p:cNvPr id="121" name="120 CuadroTexto">
-            <a:hlinkClick r:id="rId134" action="ppaction://hlinkpres?slideindex=6&amp;slidetitle=Presentación de PowerPoint"/>
+            <a:hlinkClick r:id="rId132" action="ppaction://hlinkpres?slideindex=6&amp;slidetitle=Presentación de PowerPoint"/>
           </p:cNvPr>
           <p:cNvSpPr txBox="1"/>
           <p:nvPr/>
         </p:nvSpPr>
         <p:spPr>
           <a:xfrm>
-            <a:off x="1800225" y="3006616"/>
+            <a:off x="1767301" y="3025382"/>
+            <a:ext cx="1643844" cy="307777"/>
+          </a:xfrm>
+          <a:prstGeom prst="rect">
+            <a:avLst/>
+          </a:prstGeom>
+          <a:noFill/>
+        </p:spPr>
+        <p:txBody>
+          <a:bodyPr wrap="square" rtlCol="0">
+            <a:spAutoFit/>
+          </a:bodyPr>
+          <a:lstStyle/>
+          <a:p>
+            <a:endParaRPr lang="es-MX" sz="1400" dirty="0">
+              <a:solidFill>
+                <a:prstClr val="black"/>
+              </a:solidFill>
+            </a:endParaRPr>
+          </a:p>
+        </p:txBody>
+      </p:sp>
+      <p:sp>
+        <p:nvSpPr>
+          <p:cNvPr id="122" name="121 CuadroTexto">
+            <a:hlinkClick r:id="rId133" action="ppaction://hlinkpres?slideindex=7&amp;slidetitle=Presentación de PowerPoint"/>
+          </p:cNvPr>
+          <p:cNvSpPr txBox="1"/>
+          <p:nvPr/>
+        </p:nvSpPr>
+        <p:spPr>
+          <a:xfrm>
+            <a:off x="1776826" y="3711236"/>
+            <a:ext cx="2579636" cy="369332"/>
+          </a:xfrm>
+          <a:prstGeom prst="rect">
+            <a:avLst/>
+          </a:prstGeom>
+          <a:noFill/>
+        </p:spPr>
+        <p:txBody>
+          <a:bodyPr wrap="square" rtlCol="0">
+            <a:spAutoFit/>
+          </a:bodyPr>
+          <a:lstStyle/>
+          <a:p>
+            <a:endParaRPr lang="es-MX" dirty="0">
+              <a:solidFill>
+                <a:prstClr val="black"/>
+              </a:solidFill>
+            </a:endParaRPr>
+          </a:p>
+        </p:txBody>
+      </p:sp>
+      <p:sp>
+        <p:nvSpPr>
+          <p:cNvPr id="123" name="122 CuadroTexto">
+            <a:hlinkClick r:id="rId134" action="ppaction://hlinkpres?slideindex=8&amp;slidetitle=Presentación de PowerPoint"/>
+          </p:cNvPr>
+          <p:cNvSpPr txBox="1"/>
+          <p:nvPr/>
+        </p:nvSpPr>
+        <p:spPr>
+          <a:xfrm>
+            <a:off x="1767301" y="4054136"/>
             <a:ext cx="2579636" cy="307777"/>
           </a:xfrm>
           <a:prstGeom prst="rect">
@@ -24710,70 +25274,18 @@
           </a:bodyPr>
           <a:lstStyle/>
           <a:p>
-            <a:endParaRPr lang="es-MX" sz="1400" dirty="0"/>
-          </a:p>
-        </p:txBody>
-      </p:sp>
-      <p:sp>
-        <p:nvSpPr>
-          <p:cNvPr id="122" name="121 CuadroTexto">
-            <a:hlinkClick r:id="rId135" action="ppaction://hlinkpres?slideindex=7&amp;slidetitle=Presentación de PowerPoint"/>
-          </p:cNvPr>
-          <p:cNvSpPr txBox="1"/>
-          <p:nvPr/>
-        </p:nvSpPr>
-        <p:spPr>
-          <a:xfrm>
-            <a:off x="1819275" y="3368566"/>
-            <a:ext cx="2579636" cy="369332"/>
-          </a:xfrm>
-          <a:prstGeom prst="rect">
-            <a:avLst/>
-          </a:prstGeom>
-          <a:noFill/>
-        </p:spPr>
-        <p:txBody>
-          <a:bodyPr wrap="square" rtlCol="0">
-            <a:spAutoFit/>
-          </a:bodyPr>
-          <a:lstStyle/>
-          <a:p>
-            <a:endParaRPr lang="es-MX" dirty="0"/>
-          </a:p>
-        </p:txBody>
-      </p:sp>
-      <p:sp>
-        <p:nvSpPr>
-          <p:cNvPr id="123" name="122 CuadroTexto">
-            <a:hlinkClick r:id="rId136" action="ppaction://hlinkpres?slideindex=8&amp;slidetitle=Presentación de PowerPoint"/>
-          </p:cNvPr>
-          <p:cNvSpPr txBox="1"/>
-          <p:nvPr/>
-        </p:nvSpPr>
-        <p:spPr>
-          <a:xfrm>
-            <a:off x="1809750" y="3711466"/>
-            <a:ext cx="2579636" cy="307777"/>
-          </a:xfrm>
-          <a:prstGeom prst="rect">
-            <a:avLst/>
-          </a:prstGeom>
-          <a:noFill/>
-        </p:spPr>
-        <p:txBody>
-          <a:bodyPr wrap="square" rtlCol="0">
-            <a:spAutoFit/>
-          </a:bodyPr>
-          <a:lstStyle/>
-          <a:p>
-            <a:endParaRPr lang="es-MX" sz="1400" dirty="0"/>
+            <a:endParaRPr lang="es-MX" sz="1400" dirty="0">
+              <a:solidFill>
+                <a:prstClr val="black"/>
+              </a:solidFill>
+            </a:endParaRPr>
           </a:p>
         </p:txBody>
       </p:sp>
       <p:sp>
         <p:nvSpPr>
           <p:cNvPr id="114" name="113 CuadroTexto">
-            <a:hlinkClick r:id="rId137" action="ppaction://hlinkpres?slideindex=23&amp;slidetitle=Presentación de PowerPoint"/>
+            <a:hlinkClick r:id="rId135" action="ppaction://hlinkpres?slideindex=23&amp;slidetitle=Presentación de PowerPoint"/>
           </p:cNvPr>
           <p:cNvSpPr txBox="1"/>
           <p:nvPr/>
@@ -24794,14 +25306,18 @@
           </a:bodyPr>
           <a:lstStyle/>
           <a:p>
-            <a:endParaRPr lang="es-MX" sz="1400" dirty="0"/>
+            <a:endParaRPr lang="es-MX" sz="1400" dirty="0">
+              <a:solidFill>
+                <a:prstClr val="black"/>
+              </a:solidFill>
+            </a:endParaRPr>
           </a:p>
         </p:txBody>
       </p:sp>
       <p:sp>
         <p:nvSpPr>
           <p:cNvPr id="115" name="114 CuadroTexto">
-            <a:hlinkClick r:id="rId138" action="ppaction://hlinkpres?slideindex=1&amp;slidetitle="/>
+            <a:hlinkClick r:id="rId136" action="ppaction://hlinkpres?slideindex=1&amp;slidetitle="/>
           </p:cNvPr>
           <p:cNvSpPr txBox="1"/>
           <p:nvPr/>
@@ -24822,14 +25338,82 @@
           </a:bodyPr>
           <a:lstStyle/>
           <a:p>
-            <a:endParaRPr lang="es-MX" sz="1400" dirty="0"/>
+            <a:endParaRPr lang="es-MX" sz="1400" dirty="0">
+              <a:solidFill>
+                <a:prstClr val="black"/>
+              </a:solidFill>
+            </a:endParaRPr>
+          </a:p>
+        </p:txBody>
+      </p:sp>
+      <p:sp>
+        <p:nvSpPr>
+          <p:cNvPr id="89" name="88 CuadroTexto">
+            <a:hlinkClick r:id="rId137" action="ppaction://hlinkpres?slideindex=9&amp;slidetitle=Presentación de PowerPoint"/>
+          </p:cNvPr>
+          <p:cNvSpPr txBox="1"/>
+          <p:nvPr/>
+        </p:nvSpPr>
+        <p:spPr>
+          <a:xfrm>
+            <a:off x="2005249" y="3351240"/>
+            <a:ext cx="2426232" cy="307777"/>
+          </a:xfrm>
+          <a:prstGeom prst="rect">
+            <a:avLst/>
+          </a:prstGeom>
+          <a:noFill/>
+        </p:spPr>
+        <p:txBody>
+          <a:bodyPr wrap="square" rtlCol="0">
+            <a:spAutoFit/>
+          </a:bodyPr>
+          <a:lstStyle/>
+          <a:p>
+            <a:endParaRPr lang="es-MX" sz="1400" dirty="0">
+              <a:solidFill>
+                <a:prstClr val="black"/>
+              </a:solidFill>
+            </a:endParaRPr>
+          </a:p>
+        </p:txBody>
+      </p:sp>
+      <p:sp>
+        <p:nvSpPr>
+          <p:cNvPr id="91" name="90 CuadroTexto">
+            <a:hlinkClick r:id="rId138" action="ppaction://hlinkpres?slideindex=11&amp;slidetitle=Presentación de PowerPoint"/>
+          </p:cNvPr>
+          <p:cNvSpPr txBox="1"/>
+          <p:nvPr/>
+        </p:nvSpPr>
+        <p:spPr>
+          <a:xfrm>
+            <a:off x="1983489" y="5978978"/>
+            <a:ext cx="2363448" cy="307777"/>
+          </a:xfrm>
+          <a:prstGeom prst="rect">
+            <a:avLst/>
+          </a:prstGeom>
+          <a:noFill/>
+        </p:spPr>
+        <p:txBody>
+          <a:bodyPr wrap="square" rtlCol="0">
+            <a:spAutoFit/>
+          </a:bodyPr>
+          <a:lstStyle/>
+          <a:p>
+            <a:endParaRPr lang="es-MX" sz="1400" dirty="0">
+              <a:solidFill>
+                <a:prstClr val="black"/>
+              </a:solidFill>
+            </a:endParaRPr>
           </a:p>
         </p:txBody>
       </p:sp>
     </p:spTree>
     <p:extLst>
       <p:ext uri="{BB962C8B-B14F-4D97-AF65-F5344CB8AC3E}">
-        <p14:creationId xmlns:p14="http://schemas.microsoft.com/office/powerpoint/2010/main" val="3860941678"/>
+        <p14:creationId xmlns:p14="http://schemas.microsoft.com/office/powerpoint/2010/main" val="901629798"/>
       </p:ext>
     </p:extLst>
   </p:cSld>
